--- a/doc/MVC之AngularJS分享文档.V_1.0.pptx
+++ b/doc/MVC之AngularJS分享文档.V_1.0.pptx
@@ -5,15 +5,16 @@
     <p:sldMasterId id="2147483708" r:id="rId1"/>
   </p:sldMasterIdLst>
   <p:sldIdLst>
-    <p:sldId id="256" r:id="rId2"/>
-    <p:sldId id="258" r:id="rId3"/>
-    <p:sldId id="265" r:id="rId4"/>
-    <p:sldId id="262" r:id="rId5"/>
-    <p:sldId id="260" r:id="rId6"/>
-    <p:sldId id="261" r:id="rId7"/>
-    <p:sldId id="263" r:id="rId8"/>
-    <p:sldId id="264" r:id="rId9"/>
-    <p:sldId id="266" r:id="rId10"/>
+    <p:sldId id="267" r:id="rId2"/>
+    <p:sldId id="256" r:id="rId3"/>
+    <p:sldId id="258" r:id="rId4"/>
+    <p:sldId id="265" r:id="rId5"/>
+    <p:sldId id="262" r:id="rId6"/>
+    <p:sldId id="260" r:id="rId7"/>
+    <p:sldId id="261" r:id="rId8"/>
+    <p:sldId id="263" r:id="rId9"/>
+    <p:sldId id="264" r:id="rId10"/>
+    <p:sldId id="266" r:id="rId11"/>
   </p:sldIdLst>
   <p:sldSz cx="9144000" cy="6858000" type="screen4x3"/>
   <p:notesSz cx="6858000" cy="9144000"/>
@@ -288,7 +289,7 @@
           <a:p>
             <a:fld id="{530820CF-B880-4189-942D-D702A7CBA730}" type="datetimeFigureOut">
               <a:rPr lang="zh-CN" altLang="en-US" smtClean="0"/>
-              <a:t>2014/4/20</a:t>
+              <a:t>2014/4/21</a:t>
             </a:fld>
             <a:endParaRPr lang="zh-CN" altLang="en-US"/>
           </a:p>
@@ -453,7 +454,7 @@
           <a:p>
             <a:fld id="{530820CF-B880-4189-942D-D702A7CBA730}" type="datetimeFigureOut">
               <a:rPr lang="zh-CN" altLang="en-US" smtClean="0"/>
-              <a:t>2014/4/20</a:t>
+              <a:t>2014/4/21</a:t>
             </a:fld>
             <a:endParaRPr lang="zh-CN" altLang="en-US"/>
           </a:p>
@@ -628,7 +629,7 @@
           <a:p>
             <a:fld id="{530820CF-B880-4189-942D-D702A7CBA730}" type="datetimeFigureOut">
               <a:rPr lang="zh-CN" altLang="en-US" smtClean="0"/>
-              <a:t>2014/4/20</a:t>
+              <a:t>2014/4/21</a:t>
             </a:fld>
             <a:endParaRPr lang="zh-CN" altLang="en-US"/>
           </a:p>
@@ -793,7 +794,7 @@
           <a:p>
             <a:fld id="{530820CF-B880-4189-942D-D702A7CBA730}" type="datetimeFigureOut">
               <a:rPr lang="zh-CN" altLang="en-US" smtClean="0"/>
-              <a:t>2014/4/20</a:t>
+              <a:t>2014/4/21</a:t>
             </a:fld>
             <a:endParaRPr lang="zh-CN" altLang="en-US"/>
           </a:p>
@@ -1035,7 +1036,7 @@
           <a:p>
             <a:fld id="{530820CF-B880-4189-942D-D702A7CBA730}" type="datetimeFigureOut">
               <a:rPr lang="zh-CN" altLang="en-US" smtClean="0"/>
-              <a:t>2014/4/20</a:t>
+              <a:t>2014/4/21</a:t>
             </a:fld>
             <a:endParaRPr lang="zh-CN" altLang="en-US"/>
           </a:p>
@@ -1299,7 +1300,7 @@
           <a:p>
             <a:fld id="{530820CF-B880-4189-942D-D702A7CBA730}" type="datetimeFigureOut">
               <a:rPr lang="zh-CN" altLang="en-US" smtClean="0"/>
-              <a:t>2014/4/20</a:t>
+              <a:t>2014/4/21</a:t>
             </a:fld>
             <a:endParaRPr lang="zh-CN" altLang="en-US"/>
           </a:p>
@@ -1677,7 +1678,7 @@
           <a:p>
             <a:fld id="{530820CF-B880-4189-942D-D702A7CBA730}" type="datetimeFigureOut">
               <a:rPr lang="zh-CN" altLang="en-US" smtClean="0"/>
-              <a:t>2014/4/20</a:t>
+              <a:t>2014/4/21</a:t>
             </a:fld>
             <a:endParaRPr lang="zh-CN" altLang="en-US"/>
           </a:p>
@@ -1827,7 +1828,7 @@
           <a:p>
             <a:fld id="{530820CF-B880-4189-942D-D702A7CBA730}" type="datetimeFigureOut">
               <a:rPr lang="zh-CN" altLang="en-US" smtClean="0"/>
-              <a:t>2014/4/20</a:t>
+              <a:t>2014/4/21</a:t>
             </a:fld>
             <a:endParaRPr lang="zh-CN" altLang="en-US"/>
           </a:p>
@@ -1917,7 +1918,7 @@
           <a:p>
             <a:fld id="{530820CF-B880-4189-942D-D702A7CBA730}" type="datetimeFigureOut">
               <a:rPr lang="zh-CN" altLang="en-US" smtClean="0"/>
-              <a:t>2014/4/20</a:t>
+              <a:t>2014/4/21</a:t>
             </a:fld>
             <a:endParaRPr lang="zh-CN" altLang="en-US"/>
           </a:p>
@@ -2178,7 +2179,7 @@
           <a:p>
             <a:fld id="{530820CF-B880-4189-942D-D702A7CBA730}" type="datetimeFigureOut">
               <a:rPr lang="zh-CN" altLang="en-US" smtClean="0"/>
-              <a:t>2014/4/20</a:t>
+              <a:t>2014/4/21</a:t>
             </a:fld>
             <a:endParaRPr lang="zh-CN" altLang="en-US"/>
           </a:p>
@@ -2466,7 +2467,7 @@
           <a:p>
             <a:fld id="{530820CF-B880-4189-942D-D702A7CBA730}" type="datetimeFigureOut">
               <a:rPr lang="zh-CN" altLang="en-US" smtClean="0"/>
-              <a:t>2014/4/20</a:t>
+              <a:t>2014/4/21</a:t>
             </a:fld>
             <a:endParaRPr lang="zh-CN" altLang="en-US"/>
           </a:p>
@@ -3237,7 +3238,7 @@
           <a:p>
             <a:fld id="{530820CF-B880-4189-942D-D702A7CBA730}" type="datetimeFigureOut">
               <a:rPr lang="zh-CN" altLang="en-US" smtClean="0"/>
-              <a:t>2014/4/20</a:t>
+              <a:t>2014/4/21</a:t>
             </a:fld>
             <a:endParaRPr lang="zh-CN" altLang="en-US"/>
           </a:p>
@@ -3910,50 +3911,13 @@
         </p:nvSpPr>
         <p:spPr>
           <a:xfrm>
-            <a:off x="457200" y="2636912"/>
-            <a:ext cx="8229600" cy="3600400"/>
+            <a:off x="457200" y="4221088"/>
+            <a:ext cx="8229600" cy="2016224"/>
           </a:xfrm>
         </p:spPr>
         <p:txBody>
           <a:bodyPr/>
           <a:lstStyle/>
-          <a:p>
-            <a:r>
-              <a:rPr lang="zh-CN" altLang="en-US" dirty="0" smtClean="0">
-                <a:solidFill>
-                  <a:srgbClr val="FF0000"/>
-                </a:solidFill>
-              </a:rPr>
-              <a:t>为什么选择</a:t>
-            </a:r>
-            <a:r>
-              <a:rPr lang="en-US" altLang="zh-CN" dirty="0" err="1" smtClean="0">
-                <a:solidFill>
-                  <a:srgbClr val="FF0000"/>
-                </a:solidFill>
-              </a:rPr>
-              <a:t>AngularJS</a:t>
-            </a:r>
-            <a:endParaRPr lang="en-US" altLang="zh-CN" dirty="0" smtClean="0">
-              <a:solidFill>
-                <a:srgbClr val="FF0000"/>
-              </a:solidFill>
-            </a:endParaRPr>
-          </a:p>
-          <a:p>
-            <a:endParaRPr lang="en-US" altLang="zh-CN" dirty="0" smtClean="0"/>
-          </a:p>
-          <a:p>
-            <a:r>
-              <a:rPr lang="en-US" altLang="zh-CN" dirty="0" err="1" smtClean="0"/>
-              <a:t>AngularJS</a:t>
-            </a:r>
-            <a:r>
-              <a:rPr lang="zh-CN" altLang="en-US" dirty="0" smtClean="0"/>
-              <a:t>简介</a:t>
-            </a:r>
-            <a:endParaRPr lang="en-US" altLang="zh-CN" dirty="0" smtClean="0"/>
-          </a:p>
           <a:p>
             <a:pPr marL="0" indent="0">
               <a:buNone/>
@@ -3961,14 +3925,16 @@
             <a:endParaRPr lang="en-US" altLang="zh-CN" dirty="0" smtClean="0"/>
           </a:p>
           <a:p>
-            <a:r>
-              <a:rPr lang="en-US" altLang="zh-CN" dirty="0" smtClean="0"/>
-              <a:t>Demo</a:t>
-            </a:r>
-            <a:r>
-              <a:rPr lang="zh-CN" altLang="en-US" dirty="0"/>
-              <a:t>展示</a:t>
-            </a:r>
+            <a:pPr marL="0" indent="0">
+              <a:buNone/>
+            </a:pPr>
+            <a:endParaRPr lang="en-US" altLang="zh-CN" dirty="0"/>
+          </a:p>
+          <a:p>
+            <a:pPr marL="0" indent="0">
+              <a:buNone/>
+            </a:pPr>
+            <a:endParaRPr lang="zh-CN" altLang="en-US" dirty="0"/>
           </a:p>
         </p:txBody>
       </p:sp>
@@ -4025,15 +3991,15 @@
         </p:nvSpPr>
         <p:spPr>
           <a:xfrm>
-            <a:off x="611559" y="1295400"/>
-            <a:ext cx="5728905" cy="1143000"/>
+            <a:off x="827584" y="1412776"/>
+            <a:ext cx="7920881" cy="2853680"/>
           </a:xfrm>
           <a:prstGeom prst="rect">
             <a:avLst/>
           </a:prstGeom>
         </p:spPr>
         <p:txBody>
-          <a:bodyPr vert="horz" lIns="0" rIns="0" bIns="0" anchor="b">
+          <a:bodyPr vert="horz" lIns="0" rIns="0" bIns="0" anchor="ctr">
             <a:normAutofit/>
           </a:bodyPr>
           <a:lstStyle>
@@ -4057,17 +4023,274 @@
             </a:lvl1pPr>
           </a:lstStyle>
           <a:p>
-            <a:r>
-              <a:rPr lang="zh-CN" altLang="en-US" dirty="0"/>
-              <a:t>概要</a:t>
-            </a:r>
+            <a:pPr algn="ctr"/>
+            <a:r>
+              <a:rPr lang="en-US" altLang="zh-CN" sz="5400" dirty="0"/>
+              <a:t>MVC</a:t>
+            </a:r>
+            <a:r>
+              <a:rPr lang="zh-CN" altLang="en-US" sz="5400" dirty="0"/>
+              <a:t>之</a:t>
+            </a:r>
+            <a:r>
+              <a:rPr lang="en-US" altLang="zh-CN" sz="5400" dirty="0" err="1"/>
+              <a:t>AngularJS</a:t>
+            </a:r>
+            <a:r>
+              <a:rPr lang="zh-CN" altLang="en-US" sz="5400" dirty="0"/>
+              <a:t>分享</a:t>
+            </a:r>
+            <a:endParaRPr lang="zh-CN" altLang="en-US" dirty="0"/>
           </a:p>
         </p:txBody>
       </p:sp>
     </p:spTree>
     <p:extLst>
       <p:ext uri="{BB962C8B-B14F-4D97-AF65-F5344CB8AC3E}">
-        <p14:creationId xmlns:p14="http://schemas.microsoft.com/office/powerpoint/2010/main" val="2116964681"/>
+        <p14:creationId xmlns:p14="http://schemas.microsoft.com/office/powerpoint/2010/main" val="1362926434"/>
+      </p:ext>
+    </p:extLst>
+  </p:cSld>
+  <p:clrMapOvr>
+    <a:masterClrMapping/>
+  </p:clrMapOvr>
+  <p:timing>
+    <p:tnLst>
+      <p:par>
+        <p:cTn id="1" dur="indefinite" restart="never" nodeType="tmRoot"/>
+      </p:par>
+    </p:tnLst>
+  </p:timing>
+</p:sld>
+</file>
+
+<file path=ppt/slides/slide10.xml><?xml version="1.0" encoding="utf-8"?>
+<p:sld xmlns:a="http://schemas.openxmlformats.org/drawingml/2006/main" xmlns:r="http://schemas.openxmlformats.org/officeDocument/2006/relationships" xmlns:p="http://schemas.openxmlformats.org/presentationml/2006/main">
+  <p:cSld>
+    <p:spTree>
+      <p:nvGrpSpPr>
+        <p:cNvPr id="1" name=""/>
+        <p:cNvGrpSpPr/>
+        <p:nvPr/>
+      </p:nvGrpSpPr>
+      <p:grpSpPr>
+        <a:xfrm>
+          <a:off x="0" y="0"/>
+          <a:ext cx="0" cy="0"/>
+          <a:chOff x="0" y="0"/>
+          <a:chExt cx="0" cy="0"/>
+        </a:xfrm>
+      </p:grpSpPr>
+      <p:sp>
+        <p:nvSpPr>
+          <p:cNvPr id="4" name="标题 3"/>
+          <p:cNvSpPr>
+            <a:spLocks noGrp="1"/>
+          </p:cNvSpPr>
+          <p:nvPr>
+            <p:ph type="title"/>
+          </p:nvPr>
+        </p:nvSpPr>
+        <p:spPr>
+          <a:xfrm>
+            <a:off x="3779912" y="0"/>
+            <a:ext cx="5357327" cy="980728"/>
+          </a:xfrm>
+        </p:spPr>
+        <p:txBody>
+          <a:bodyPr anchor="t">
+            <a:noAutofit/>
+          </a:bodyPr>
+          <a:lstStyle/>
+          <a:p>
+            <a:pPr algn="r"/>
+            <a:r>
+              <a:rPr lang="en-US" altLang="zh-CN" sz="4400" dirty="0" smtClean="0"/>
+              <a:t>MVC</a:t>
+            </a:r>
+            <a:r>
+              <a:rPr lang="zh-CN" altLang="en-US" sz="4400" dirty="0" smtClean="0"/>
+              <a:t>之</a:t>
+            </a:r>
+            <a:r>
+              <a:rPr lang="en-US" altLang="zh-CN" sz="4400" dirty="0" err="1" smtClean="0"/>
+              <a:t>AngularJS</a:t>
+            </a:r>
+            <a:r>
+              <a:rPr lang="zh-CN" altLang="en-US" sz="4400" dirty="0" smtClean="0"/>
+              <a:t>分享</a:t>
+            </a:r>
+            <a:endParaRPr lang="zh-CN" altLang="en-US" sz="4400" dirty="0"/>
+          </a:p>
+        </p:txBody>
+      </p:sp>
+      <p:sp>
+        <p:nvSpPr>
+          <p:cNvPr id="5" name="内容占位符 4"/>
+          <p:cNvSpPr>
+            <a:spLocks noGrp="1"/>
+          </p:cNvSpPr>
+          <p:nvPr>
+            <p:ph idx="1"/>
+          </p:nvPr>
+        </p:nvSpPr>
+        <p:spPr>
+          <a:xfrm>
+            <a:off x="457200" y="2636912"/>
+            <a:ext cx="8229600" cy="3600400"/>
+          </a:xfrm>
+        </p:spPr>
+        <p:txBody>
+          <a:bodyPr/>
+          <a:lstStyle/>
+          <a:p>
+            <a:pPr marL="0" indent="0">
+              <a:buNone/>
+            </a:pPr>
+            <a:r>
+              <a:rPr lang="en-US" altLang="zh-CN" dirty="0" smtClean="0"/>
+              <a:t>		</a:t>
+            </a:r>
+          </a:p>
+          <a:p>
+            <a:pPr marL="0" indent="0">
+              <a:buNone/>
+            </a:pPr>
+            <a:r>
+              <a:rPr lang="en-US" altLang="zh-CN" dirty="0"/>
+              <a:t>	</a:t>
+            </a:r>
+            <a:r>
+              <a:rPr lang="en-US" altLang="zh-CN" dirty="0" smtClean="0"/>
+              <a:t>	</a:t>
+            </a:r>
+          </a:p>
+          <a:p>
+            <a:pPr marL="0" indent="0">
+              <a:buNone/>
+            </a:pPr>
+            <a:r>
+              <a:rPr lang="en-US" altLang="zh-CN" dirty="0"/>
+              <a:t>	</a:t>
+            </a:r>
+            <a:r>
+              <a:rPr lang="en-US" altLang="zh-CN" dirty="0" smtClean="0"/>
+              <a:t>	Thank you </a:t>
+            </a:r>
+            <a:r>
+              <a:rPr lang="zh-CN" altLang="en-US" dirty="0" smtClean="0"/>
+              <a:t>！</a:t>
+            </a:r>
+            <a:r>
+              <a:rPr lang="en-US" altLang="zh-CN" dirty="0" smtClean="0"/>
+              <a:t>^_^</a:t>
+            </a:r>
+          </a:p>
+          <a:p>
+            <a:pPr marL="0" indent="0">
+              <a:buNone/>
+            </a:pPr>
+            <a:endParaRPr lang="en-US" altLang="zh-CN" dirty="0" smtClean="0"/>
+          </a:p>
+        </p:txBody>
+      </p:sp>
+      <p:sp>
+        <p:nvSpPr>
+          <p:cNvPr id="6" name="TextBox 5"/>
+          <p:cNvSpPr txBox="1"/>
+          <p:nvPr/>
+        </p:nvSpPr>
+        <p:spPr>
+          <a:xfrm>
+            <a:off x="6444208" y="6453336"/>
+            <a:ext cx="2592288" cy="307777"/>
+          </a:xfrm>
+          <a:prstGeom prst="rect">
+            <a:avLst/>
+          </a:prstGeom>
+        </p:spPr>
+        <p:style>
+          <a:lnRef idx="0">
+            <a:schemeClr val="accent3"/>
+          </a:lnRef>
+          <a:fillRef idx="3">
+            <a:schemeClr val="accent3"/>
+          </a:fillRef>
+          <a:effectRef idx="3">
+            <a:schemeClr val="accent3"/>
+          </a:effectRef>
+          <a:fontRef idx="minor">
+            <a:schemeClr val="lt1"/>
+          </a:fontRef>
+        </p:style>
+        <p:txBody>
+          <a:bodyPr wrap="square" rtlCol="0">
+            <a:spAutoFit/>
+          </a:bodyPr>
+          <a:lstStyle/>
+          <a:p>
+            <a:r>
+              <a:rPr lang="zh-CN" altLang="en-US" sz="1400" dirty="0" smtClean="0"/>
+              <a:t>中地数码企业信息化部</a:t>
+            </a:r>
+            <a:endParaRPr lang="zh-CN" altLang="en-US" sz="1400" dirty="0"/>
+          </a:p>
+        </p:txBody>
+      </p:sp>
+      <p:sp>
+        <p:nvSpPr>
+          <p:cNvPr id="7" name="标题 3"/>
+          <p:cNvSpPr txBox="1">
+            <a:spLocks/>
+          </p:cNvSpPr>
+          <p:nvPr/>
+        </p:nvSpPr>
+        <p:spPr>
+          <a:xfrm>
+            <a:off x="611559" y="1295400"/>
+            <a:ext cx="5728905" cy="1143000"/>
+          </a:xfrm>
+          <a:prstGeom prst="rect">
+            <a:avLst/>
+          </a:prstGeom>
+        </p:spPr>
+        <p:txBody>
+          <a:bodyPr vert="horz" lIns="0" rIns="0" bIns="0" anchor="b">
+            <a:normAutofit/>
+          </a:bodyPr>
+          <a:lstStyle>
+            <a:lvl1pPr algn="l" rtl="0" eaLnBrk="1" latinLnBrk="0" hangingPunct="1">
+              <a:spcBef>
+                <a:spcPct val="0"/>
+              </a:spcBef>
+              <a:buNone/>
+              <a:defRPr kumimoji="0" sz="5000" b="0" kern="1200">
+                <a:ln>
+                  <a:noFill/>
+                </a:ln>
+                <a:solidFill>
+                  <a:schemeClr val="tx2"/>
+                </a:solidFill>
+                <a:effectLst/>
+                <a:latin typeface="+mj-lt"/>
+                <a:ea typeface="+mj-ea"/>
+                <a:cs typeface="+mj-cs"/>
+              </a:defRPr>
+            </a:lvl1pPr>
+          </a:lstStyle>
+          <a:p>
+            <a:r>
+              <a:rPr lang="en-US" altLang="zh-CN" dirty="0" smtClean="0"/>
+              <a:t>The End</a:t>
+            </a:r>
+            <a:endParaRPr lang="zh-CN" altLang="en-US" dirty="0"/>
+          </a:p>
+        </p:txBody>
+      </p:sp>
+    </p:spTree>
+    <p:extLst>
+      <p:ext uri="{BB962C8B-B14F-4D97-AF65-F5344CB8AC3E}">
+        <p14:creationId xmlns:p14="http://schemas.microsoft.com/office/powerpoint/2010/main" val="3904917234"/>
       </p:ext>
     </p:extLst>
   </p:cSld>
@@ -4161,185 +4384,59 @@
           </a:xfrm>
         </p:spPr>
         <p:txBody>
-          <a:bodyPr>
-            <a:normAutofit lnSpcReduction="10000"/>
-          </a:bodyPr>
-          <a:lstStyle/>
+          <a:bodyPr/>
+          <a:lstStyle/>
+          <a:p>
+            <a:r>
+              <a:rPr lang="zh-CN" altLang="en-US" dirty="0" smtClean="0">
+                <a:solidFill>
+                  <a:srgbClr val="FF0000"/>
+                </a:solidFill>
+              </a:rPr>
+              <a:t>为什么选择</a:t>
+            </a:r>
+            <a:r>
+              <a:rPr lang="en-US" altLang="zh-CN" dirty="0" err="1" smtClean="0">
+                <a:solidFill>
+                  <a:srgbClr val="FF0000"/>
+                </a:solidFill>
+              </a:rPr>
+              <a:t>AngularJS</a:t>
+            </a:r>
+            <a:endParaRPr lang="en-US" altLang="zh-CN" dirty="0" smtClean="0">
+              <a:solidFill>
+                <a:srgbClr val="FF0000"/>
+              </a:solidFill>
+            </a:endParaRPr>
+          </a:p>
+          <a:p>
+            <a:endParaRPr lang="en-US" altLang="zh-CN" dirty="0" smtClean="0"/>
+          </a:p>
+          <a:p>
+            <a:r>
+              <a:rPr lang="en-US" altLang="zh-CN" dirty="0" err="1" smtClean="0"/>
+              <a:t>AngularJS</a:t>
+            </a:r>
+            <a:r>
+              <a:rPr lang="zh-CN" altLang="en-US" dirty="0" smtClean="0"/>
+              <a:t>简介</a:t>
+            </a:r>
+            <a:endParaRPr lang="en-US" altLang="zh-CN" dirty="0" smtClean="0"/>
+          </a:p>
           <a:p>
             <a:pPr marL="0" indent="0">
               <a:buNone/>
             </a:pPr>
-            <a:r>
-              <a:rPr lang="zh-CN" altLang="en-US" sz="2400" b="1" dirty="0" smtClean="0"/>
-              <a:t>架构</a:t>
-            </a:r>
-            <a:endParaRPr lang="en-US" altLang="zh-CN" sz="2400" b="1" dirty="0" smtClean="0"/>
-          </a:p>
-          <a:p>
-            <a:pPr marL="0" indent="0">
-              <a:buNone/>
-            </a:pPr>
-            <a:r>
-              <a:rPr lang="en-US" altLang="zh-CN" sz="1800" dirty="0" smtClean="0"/>
-              <a:t>        </a:t>
-            </a:r>
-            <a:r>
-              <a:rPr lang="zh-CN" altLang="en-US" sz="1800" dirty="0" smtClean="0"/>
-              <a:t>无论</a:t>
-            </a:r>
-            <a:r>
-              <a:rPr lang="zh-CN" altLang="en-US" sz="1800" dirty="0"/>
-              <a:t>是</a:t>
-            </a:r>
-            <a:r>
-              <a:rPr lang="en-US" altLang="zh-CN" sz="1800" dirty="0" smtClean="0"/>
-              <a:t>UI-BLL-DAL</a:t>
-            </a:r>
-            <a:r>
-              <a:rPr lang="zh-CN" altLang="en-US" sz="1800" dirty="0" smtClean="0"/>
-              <a:t>还是</a:t>
-            </a:r>
-            <a:r>
-              <a:rPr lang="en-US" altLang="zh-CN" sz="1800" dirty="0" smtClean="0"/>
-              <a:t>MVC</a:t>
-            </a:r>
-            <a:r>
-              <a:rPr lang="zh-CN" altLang="en-US" sz="1800" dirty="0" smtClean="0"/>
-              <a:t>或者是</a:t>
-            </a:r>
-            <a:r>
-              <a:rPr lang="en-US" altLang="zh-CN" sz="1800" dirty="0" smtClean="0"/>
-              <a:t>SSH</a:t>
-            </a:r>
-            <a:r>
-              <a:rPr lang="zh-CN" altLang="en-US" sz="1800" dirty="0" smtClean="0"/>
-              <a:t>（</a:t>
-            </a:r>
-            <a:r>
-              <a:rPr lang="en-US" altLang="zh-CN" sz="1800" dirty="0" err="1" smtClean="0"/>
-              <a:t>struts+spring+hibernate</a:t>
-            </a:r>
-            <a:r>
-              <a:rPr lang="zh-CN" altLang="en-US" sz="1800" dirty="0" smtClean="0"/>
-              <a:t>）都给程序员带来了很多利益，便于维护，开发以及逻辑处理等等。</a:t>
-            </a:r>
-            <a:endParaRPr lang="en-US" altLang="zh-CN" sz="1800" dirty="0" smtClean="0"/>
-          </a:p>
-          <a:p>
-            <a:pPr marL="0" indent="0">
-              <a:buNone/>
-            </a:pPr>
-            <a:endParaRPr lang="en-US" altLang="zh-CN" sz="1800" dirty="0"/>
-          </a:p>
-          <a:p>
-            <a:pPr marL="0" indent="0">
-              <a:buNone/>
-            </a:pPr>
-            <a:r>
-              <a:rPr lang="zh-CN" altLang="en-US" sz="1800" dirty="0" smtClean="0"/>
-              <a:t>      在</a:t>
-            </a:r>
-            <a:r>
-              <a:rPr lang="en-US" altLang="zh-CN" sz="1800" dirty="0" err="1" smtClean="0"/>
-              <a:t>.net</a:t>
-            </a:r>
-            <a:r>
-              <a:rPr lang="zh-CN" altLang="en-US" sz="1800" dirty="0" smtClean="0"/>
-              <a:t>退出</a:t>
-            </a:r>
-            <a:r>
-              <a:rPr lang="en-US" altLang="zh-CN" sz="1800" dirty="0" err="1" smtClean="0"/>
-              <a:t>wpf</a:t>
-            </a:r>
-            <a:r>
-              <a:rPr lang="zh-CN" altLang="en-US" sz="1800" dirty="0" smtClean="0"/>
-              <a:t>（</a:t>
-            </a:r>
-            <a:r>
-              <a:rPr lang="en-US" altLang="zh-CN" sz="1800" dirty="0" err="1" smtClean="0"/>
-              <a:t>.net</a:t>
-            </a:r>
-            <a:r>
-              <a:rPr lang="en-US" altLang="zh-CN" sz="1800" dirty="0" smtClean="0"/>
-              <a:t>  3.5</a:t>
-            </a:r>
-            <a:r>
-              <a:rPr lang="zh-CN" altLang="en-US" sz="1800" dirty="0" smtClean="0"/>
-              <a:t>）的时候，提出了一项技术</a:t>
-            </a:r>
-            <a:r>
-              <a:rPr lang="en-US" altLang="zh-CN" sz="1800" dirty="0" smtClean="0"/>
-              <a:t>——</a:t>
-            </a:r>
-            <a:r>
-              <a:rPr lang="en-US" altLang="zh-CN" sz="1800" dirty="0" err="1" smtClean="0"/>
-              <a:t>dataBind</a:t>
-            </a:r>
-            <a:r>
-              <a:rPr lang="zh-CN" altLang="en-US" sz="1800" dirty="0" smtClean="0"/>
-              <a:t>，通过实现</a:t>
-            </a:r>
-            <a:r>
-              <a:rPr lang="en-US" altLang="zh-CN" sz="1800" b="1" dirty="0" err="1" smtClean="0"/>
-              <a:t>INotifyPropertyChanged</a:t>
-            </a:r>
-            <a:r>
-              <a:rPr lang="zh-CN" altLang="en-US" sz="1800" dirty="0" smtClean="0"/>
-              <a:t>，并在前台做一些数据设置，即可完成动态绑定，这样就能实现实体数据改变实时通知到</a:t>
-            </a:r>
-            <a:r>
-              <a:rPr lang="en-US" altLang="zh-CN" sz="1800" dirty="0" smtClean="0"/>
-              <a:t>UI</a:t>
-            </a:r>
-            <a:r>
-              <a:rPr lang="zh-CN" altLang="en-US" sz="1800" dirty="0" smtClean="0"/>
-              <a:t>，好吧，这不是重点。</a:t>
-            </a:r>
-            <a:endParaRPr lang="en-US" altLang="zh-CN" sz="1800" dirty="0" smtClean="0"/>
-          </a:p>
-          <a:p>
-            <a:pPr marL="0" indent="0">
-              <a:buNone/>
-            </a:pPr>
-            <a:endParaRPr lang="en-US" altLang="zh-CN" sz="1800" dirty="0" smtClean="0"/>
-          </a:p>
-          <a:p>
-            <a:pPr marL="0" indent="0">
-              <a:buNone/>
-            </a:pPr>
-            <a:r>
-              <a:rPr lang="en-US" altLang="zh-CN" sz="1800" dirty="0"/>
-              <a:t> </a:t>
-            </a:r>
-            <a:r>
-              <a:rPr lang="en-US" altLang="zh-CN" sz="1800" dirty="0" smtClean="0"/>
-              <a:t>     </a:t>
-            </a:r>
-            <a:r>
-              <a:rPr lang="zh-CN" altLang="en-US" sz="1800" dirty="0" smtClean="0"/>
-              <a:t>那我们在看看三层架构吧，这个不用多说。看下一页的两个截图吧！</a:t>
-            </a:r>
-            <a:endParaRPr lang="en-US" altLang="zh-CN" sz="1800" dirty="0" smtClean="0"/>
-          </a:p>
-          <a:p>
-            <a:pPr marL="0" indent="0">
-              <a:buNone/>
-            </a:pPr>
-            <a:endParaRPr lang="en-US" altLang="zh-CN" sz="1800" dirty="0" smtClean="0"/>
-          </a:p>
-          <a:p>
-            <a:pPr marL="0" indent="0">
-              <a:buNone/>
-            </a:pPr>
-            <a:endParaRPr lang="en-US" altLang="zh-CN" sz="1800" dirty="0" smtClean="0"/>
-          </a:p>
-          <a:p>
-            <a:pPr marL="0" indent="0">
-              <a:buNone/>
-            </a:pPr>
-            <a:r>
-              <a:rPr lang="en-US" altLang="zh-CN" sz="1800" dirty="0" smtClean="0"/>
-              <a:t>           </a:t>
+            <a:endParaRPr lang="en-US" altLang="zh-CN" dirty="0" smtClean="0"/>
+          </a:p>
+          <a:p>
+            <a:r>
+              <a:rPr lang="en-US" altLang="zh-CN" dirty="0" smtClean="0"/>
+              <a:t>Demo</a:t>
+            </a:r>
+            <a:r>
+              <a:rPr lang="zh-CN" altLang="en-US" dirty="0"/>
+              <a:t>展示</a:t>
             </a:r>
           </a:p>
         </p:txBody>
@@ -4398,7 +4495,7 @@
         <p:spPr>
           <a:xfrm>
             <a:off x="611559" y="1295400"/>
-            <a:ext cx="5904657" cy="1143000"/>
+            <a:ext cx="5728905" cy="1143000"/>
           </a:xfrm>
           <a:prstGeom prst="rect">
             <a:avLst/>
@@ -4430,21 +4527,16 @@
           </a:lstStyle>
           <a:p>
             <a:r>
-              <a:rPr lang="zh-CN" altLang="en-US" dirty="0" smtClean="0"/>
-              <a:t>为什么选择</a:t>
-            </a:r>
-            <a:r>
-              <a:rPr lang="en-US" altLang="zh-CN" dirty="0" err="1" smtClean="0"/>
-              <a:t>AngularJS</a:t>
-            </a:r>
-            <a:endParaRPr lang="zh-CN" altLang="en-US" dirty="0"/>
+              <a:rPr lang="zh-CN" altLang="en-US" dirty="0"/>
+              <a:t>概要</a:t>
+            </a:r>
           </a:p>
         </p:txBody>
       </p:sp>
     </p:spTree>
     <p:extLst>
       <p:ext uri="{BB962C8B-B14F-4D97-AF65-F5344CB8AC3E}">
-        <p14:creationId xmlns:p14="http://schemas.microsoft.com/office/powerpoint/2010/main" val="2739493738"/>
+        <p14:creationId xmlns:p14="http://schemas.microsoft.com/office/powerpoint/2010/main" val="2116964681"/>
       </p:ext>
     </p:extLst>
   </p:cSld>
@@ -4539,7 +4631,7 @@
         </p:spPr>
         <p:txBody>
           <a:bodyPr>
-            <a:normAutofit fontScale="92500" lnSpcReduction="10000"/>
+            <a:normAutofit lnSpcReduction="10000"/>
           </a:bodyPr>
           <a:lstStyle/>
           <a:p>
@@ -4562,7 +4654,11 @@
             </a:r>
             <a:r>
               <a:rPr lang="zh-CN" altLang="en-US" sz="1800" dirty="0" smtClean="0"/>
-              <a:t>无论从</a:t>
+              <a:t>无论</a:t>
+            </a:r>
+            <a:r>
+              <a:rPr lang="zh-CN" altLang="en-US" sz="1800" dirty="0"/>
+              <a:t>是</a:t>
             </a:r>
             <a:r>
               <a:rPr lang="en-US" altLang="zh-CN" sz="1800" dirty="0" smtClean="0"/>
@@ -4617,24 +4713,48 @@
               <a:t>.net</a:t>
             </a:r>
             <a:r>
+              <a:rPr lang="zh-CN" altLang="en-US" sz="1800" dirty="0" smtClean="0"/>
+              <a:t>退出</a:t>
+            </a:r>
+            <a:r>
+              <a:rPr lang="en-US" altLang="zh-CN" sz="1800" dirty="0" err="1" smtClean="0"/>
+              <a:t>wpf</a:t>
+            </a:r>
+            <a:r>
+              <a:rPr lang="zh-CN" altLang="en-US" sz="1800" dirty="0" smtClean="0"/>
+              <a:t>（</a:t>
+            </a:r>
+            <a:r>
+              <a:rPr lang="en-US" altLang="zh-CN" sz="1800" dirty="0" err="1" smtClean="0"/>
+              <a:t>.net</a:t>
+            </a:r>
+            <a:r>
               <a:rPr lang="en-US" altLang="zh-CN" sz="1800" dirty="0" smtClean="0"/>
-              <a:t>  2.0</a:t>
+              <a:t>  3.5</a:t>
             </a:r>
             <a:r>
               <a:rPr lang="zh-CN" altLang="en-US" sz="1800" dirty="0" smtClean="0"/>
-              <a:t>的时候，通过实现</a:t>
+              <a:t>）的时候，提出了一项技术</a:t>
+            </a:r>
+            <a:r>
+              <a:rPr lang="en-US" altLang="zh-CN" sz="1800" dirty="0" smtClean="0"/>
+              <a:t>——</a:t>
             </a:r>
             <a:r>
               <a:rPr lang="en-US" altLang="zh-CN" sz="1800" dirty="0" err="1" smtClean="0"/>
+              <a:t>dataBind</a:t>
+            </a:r>
+            <a:r>
+              <a:rPr lang="zh-CN" altLang="en-US" sz="1800" dirty="0" smtClean="0"/>
+              <a:t>，通过实现</a:t>
+            </a:r>
+            <a:r>
+              <a:rPr lang="en-US" altLang="zh-CN" sz="1800" b="1" dirty="0" err="1" smtClean="0"/>
               <a:t>INotifyPropertyChanged</a:t>
             </a:r>
             <a:r>
-              <a:rPr lang="zh-CN" altLang="en-US" sz="1800" dirty="0"/>
-              <a:t>接口</a:t>
-            </a:r>
-            <a:r>
               <a:rPr lang="zh-CN" altLang="en-US" sz="1800" dirty="0" smtClean="0"/>
-              <a:t>，可以实现属性和</a:t>
+              <a:t>，并在前台做一些数据设置，即可完成动态绑定，这样就能实现实体数据改变实时通知到</a:t>
             </a:r>
             <a:r>
               <a:rPr lang="en-US" altLang="zh-CN" sz="1800" dirty="0" smtClean="0"/>
@@ -4642,55 +4762,7 @@
             </a:r>
             <a:r>
               <a:rPr lang="zh-CN" altLang="en-US" sz="1800" dirty="0" smtClean="0"/>
-              <a:t>的实时同步，在</a:t>
-            </a:r>
-            <a:r>
-              <a:rPr lang="en-US" altLang="zh-CN" sz="1800" dirty="0" smtClean="0"/>
-              <a:t>3.0</a:t>
-            </a:r>
-            <a:r>
-              <a:rPr lang="zh-CN" altLang="en-US" sz="1800" dirty="0" smtClean="0"/>
-              <a:t>的时候推出</a:t>
-            </a:r>
-            <a:r>
-              <a:rPr lang="en-US" altLang="zh-CN" sz="1800" dirty="0" smtClean="0"/>
-              <a:t>WPF</a:t>
-            </a:r>
-            <a:r>
-              <a:rPr lang="zh-CN" altLang="en-US" sz="1800" dirty="0" smtClean="0"/>
-              <a:t>，实现了</a:t>
-            </a:r>
-            <a:r>
-              <a:rPr lang="en-US" altLang="zh-CN" sz="1800" dirty="0" smtClean="0"/>
-              <a:t>UI</a:t>
-            </a:r>
-            <a:r>
-              <a:rPr lang="zh-CN" altLang="en-US" sz="1800" dirty="0" smtClean="0"/>
-              <a:t>和属性的动态绑定，这让</a:t>
-            </a:r>
-            <a:r>
-              <a:rPr lang="en-US" altLang="zh-CN" sz="1800" dirty="0" smtClean="0"/>
-              <a:t>UI</a:t>
-            </a:r>
-            <a:r>
-              <a:rPr lang="zh-CN" altLang="en-US" sz="1800" dirty="0" smtClean="0"/>
-              <a:t>和</a:t>
-            </a:r>
-            <a:r>
-              <a:rPr lang="en-US" altLang="zh-CN" sz="1800" dirty="0" smtClean="0"/>
-              <a:t>Entity</a:t>
-            </a:r>
-            <a:r>
-              <a:rPr lang="zh-CN" altLang="en-US" sz="1800" dirty="0" smtClean="0"/>
-              <a:t>仅仅通过绑定进行关联，</a:t>
-            </a:r>
-            <a:r>
-              <a:rPr lang="zh-CN" altLang="en-US" sz="1800" smtClean="0"/>
-              <a:t>减少了耦合，好</a:t>
-            </a:r>
-            <a:r>
-              <a:rPr lang="zh-CN" altLang="en-US" sz="1800" dirty="0" smtClean="0"/>
-              <a:t>吧，这不是重点。</a:t>
+              <a:t>，好吧，这不是重点。</a:t>
             </a:r>
             <a:endParaRPr lang="en-US" altLang="zh-CN" sz="1800" dirty="0" smtClean="0"/>
           </a:p>
@@ -4841,7 +4913,7 @@
     </p:spTree>
     <p:extLst>
       <p:ext uri="{BB962C8B-B14F-4D97-AF65-F5344CB8AC3E}">
-        <p14:creationId xmlns:p14="http://schemas.microsoft.com/office/powerpoint/2010/main" val="2759663294"/>
+        <p14:creationId xmlns:p14="http://schemas.microsoft.com/office/powerpoint/2010/main" val="2739493738"/>
       </p:ext>
     </p:extLst>
   </p:cSld>
@@ -4936,7 +5008,7 @@
         </p:spPr>
         <p:txBody>
           <a:bodyPr>
-            <a:normAutofit/>
+            <a:normAutofit fontScale="92500" lnSpcReduction="10000"/>
           </a:bodyPr>
           <a:lstStyle/>
           <a:p>
@@ -4944,20 +5016,54 @@
               <a:buNone/>
             </a:pPr>
             <a:r>
+              <a:rPr lang="zh-CN" altLang="en-US" sz="2400" b="1" dirty="0" smtClean="0"/>
+              <a:t>架构</a:t>
+            </a:r>
+            <a:endParaRPr lang="en-US" altLang="zh-CN" sz="2400" b="1" dirty="0" smtClean="0"/>
+          </a:p>
+          <a:p>
+            <a:pPr marL="0" indent="0">
+              <a:buNone/>
+            </a:pPr>
+            <a:r>
               <a:rPr lang="en-US" altLang="zh-CN" sz="1800" dirty="0" smtClean="0"/>
-              <a:t>CRM</a:t>
+              <a:t>        </a:t>
             </a:r>
             <a:r>
               <a:rPr lang="zh-CN" altLang="en-US" sz="1800" dirty="0" smtClean="0"/>
-              <a:t>项目                                                        个人的</a:t>
+              <a:t>无论从</a:t>
+            </a:r>
+            <a:r>
+              <a:rPr lang="en-US" altLang="zh-CN" sz="1800" dirty="0" smtClean="0"/>
+              <a:t>UI-BLL-DAL</a:t>
+            </a:r>
+            <a:r>
+              <a:rPr lang="zh-CN" altLang="en-US" sz="1800" dirty="0" smtClean="0"/>
+              <a:t>还是</a:t>
+            </a:r>
+            <a:r>
+              <a:rPr lang="en-US" altLang="zh-CN" sz="1800" dirty="0" smtClean="0"/>
+              <a:t>MVC</a:t>
+            </a:r>
+            <a:r>
+              <a:rPr lang="zh-CN" altLang="en-US" sz="1800" dirty="0" smtClean="0"/>
+              <a:t>或者是</a:t>
+            </a:r>
+            <a:r>
+              <a:rPr lang="en-US" altLang="zh-CN" sz="1800" dirty="0" smtClean="0"/>
+              <a:t>SSH</a:t>
+            </a:r>
+            <a:r>
+              <a:rPr lang="zh-CN" altLang="en-US" sz="1800" dirty="0" smtClean="0"/>
+              <a:t>（</a:t>
             </a:r>
             <a:r>
               <a:rPr lang="en-US" altLang="zh-CN" sz="1800" dirty="0" err="1" smtClean="0"/>
-              <a:t>NoName</a:t>
+              <a:t>struts+spring+hibernate</a:t>
             </a:r>
             <a:r>
               <a:rPr lang="zh-CN" altLang="en-US" sz="1800" dirty="0" smtClean="0"/>
-              <a:t>项目</a:t>
+              <a:t>）都给程序员带来了很多利益，便于维护，开发以及逻辑处理等等。</a:t>
             </a:r>
             <a:endParaRPr lang="en-US" altLang="zh-CN" sz="1800" dirty="0" smtClean="0"/>
           </a:p>
@@ -4966,6 +5072,141 @@
               <a:buNone/>
             </a:pPr>
             <a:endParaRPr lang="en-US" altLang="zh-CN" sz="1800" dirty="0"/>
+          </a:p>
+          <a:p>
+            <a:pPr marL="0" indent="0">
+              <a:buNone/>
+            </a:pPr>
+            <a:r>
+              <a:rPr lang="zh-CN" altLang="en-US" sz="1800" dirty="0" smtClean="0"/>
+              <a:t>      在</a:t>
+            </a:r>
+            <a:r>
+              <a:rPr lang="en-US" altLang="zh-CN" sz="1800" dirty="0" err="1" smtClean="0"/>
+              <a:t>.net</a:t>
+            </a:r>
+            <a:r>
+              <a:rPr lang="en-US" altLang="zh-CN" sz="1800" dirty="0" smtClean="0"/>
+              <a:t>  2.0</a:t>
+            </a:r>
+            <a:r>
+              <a:rPr lang="zh-CN" altLang="en-US" sz="1800" dirty="0" smtClean="0"/>
+              <a:t>的时候，通过实现</a:t>
+            </a:r>
+            <a:r>
+              <a:rPr lang="en-US" altLang="zh-CN" sz="1800" dirty="0" err="1" smtClean="0"/>
+              <a:t>INotifyPropertyChanged</a:t>
+            </a:r>
+            <a:r>
+              <a:rPr lang="zh-CN" altLang="en-US" sz="1800" dirty="0"/>
+              <a:t>接口</a:t>
+            </a:r>
+            <a:r>
+              <a:rPr lang="zh-CN" altLang="en-US" sz="1800" dirty="0" smtClean="0"/>
+              <a:t>，可以实现属性和</a:t>
+            </a:r>
+            <a:r>
+              <a:rPr lang="en-US" altLang="zh-CN" sz="1800" dirty="0" smtClean="0"/>
+              <a:t>UI</a:t>
+            </a:r>
+            <a:r>
+              <a:rPr lang="zh-CN" altLang="en-US" sz="1800" dirty="0" smtClean="0"/>
+              <a:t>的实时同步，在</a:t>
+            </a:r>
+            <a:r>
+              <a:rPr lang="en-US" altLang="zh-CN" sz="1800" dirty="0" smtClean="0"/>
+              <a:t>3.0</a:t>
+            </a:r>
+            <a:r>
+              <a:rPr lang="zh-CN" altLang="en-US" sz="1800" dirty="0" smtClean="0"/>
+              <a:t>的时候推出</a:t>
+            </a:r>
+            <a:r>
+              <a:rPr lang="en-US" altLang="zh-CN" sz="1800" dirty="0" smtClean="0"/>
+              <a:t>WPF</a:t>
+            </a:r>
+            <a:r>
+              <a:rPr lang="zh-CN" altLang="en-US" sz="1800" dirty="0" smtClean="0"/>
+              <a:t>，实现了</a:t>
+            </a:r>
+            <a:r>
+              <a:rPr lang="en-US" altLang="zh-CN" sz="1800" dirty="0" smtClean="0"/>
+              <a:t>UI</a:t>
+            </a:r>
+            <a:r>
+              <a:rPr lang="zh-CN" altLang="en-US" sz="1800" dirty="0" smtClean="0"/>
+              <a:t>和属性的动态绑定，这让</a:t>
+            </a:r>
+            <a:r>
+              <a:rPr lang="en-US" altLang="zh-CN" sz="1800" dirty="0" smtClean="0"/>
+              <a:t>UI</a:t>
+            </a:r>
+            <a:r>
+              <a:rPr lang="zh-CN" altLang="en-US" sz="1800" dirty="0" smtClean="0"/>
+              <a:t>和</a:t>
+            </a:r>
+            <a:r>
+              <a:rPr lang="en-US" altLang="zh-CN" sz="1800" dirty="0" smtClean="0"/>
+              <a:t>Entity</a:t>
+            </a:r>
+            <a:r>
+              <a:rPr lang="zh-CN" altLang="en-US" sz="1800" dirty="0" smtClean="0"/>
+              <a:t>仅仅通过绑定进行关联，</a:t>
+            </a:r>
+            <a:r>
+              <a:rPr lang="zh-CN" altLang="en-US" sz="1800" smtClean="0"/>
+              <a:t>减少了耦合，好</a:t>
+            </a:r>
+            <a:r>
+              <a:rPr lang="zh-CN" altLang="en-US" sz="1800" dirty="0" smtClean="0"/>
+              <a:t>吧，这不是重点。</a:t>
+            </a:r>
+            <a:endParaRPr lang="en-US" altLang="zh-CN" sz="1800" dirty="0" smtClean="0"/>
+          </a:p>
+          <a:p>
+            <a:pPr marL="0" indent="0">
+              <a:buNone/>
+            </a:pPr>
+            <a:endParaRPr lang="en-US" altLang="zh-CN" sz="1800" dirty="0" smtClean="0"/>
+          </a:p>
+          <a:p>
+            <a:pPr marL="0" indent="0">
+              <a:buNone/>
+            </a:pPr>
+            <a:r>
+              <a:rPr lang="en-US" altLang="zh-CN" sz="1800" dirty="0"/>
+              <a:t> </a:t>
+            </a:r>
+            <a:r>
+              <a:rPr lang="en-US" altLang="zh-CN" sz="1800" dirty="0" smtClean="0"/>
+              <a:t>     </a:t>
+            </a:r>
+            <a:r>
+              <a:rPr lang="zh-CN" altLang="en-US" sz="1800" dirty="0" smtClean="0"/>
+              <a:t>那我们在看看三层架构吧，这个不用多说。看下一页的两个截图吧！</a:t>
+            </a:r>
+            <a:endParaRPr lang="en-US" altLang="zh-CN" sz="1800" dirty="0" smtClean="0"/>
+          </a:p>
+          <a:p>
+            <a:pPr marL="0" indent="0">
+              <a:buNone/>
+            </a:pPr>
+            <a:endParaRPr lang="en-US" altLang="zh-CN" sz="1800" dirty="0" smtClean="0"/>
+          </a:p>
+          <a:p>
+            <a:pPr marL="0" indent="0">
+              <a:buNone/>
+            </a:pPr>
+            <a:endParaRPr lang="en-US" altLang="zh-CN" sz="1800" dirty="0" smtClean="0"/>
+          </a:p>
+          <a:p>
+            <a:pPr marL="0" indent="0">
+              <a:buNone/>
+            </a:pPr>
+            <a:r>
+              <a:rPr lang="en-US" altLang="zh-CN" sz="1800" dirty="0" smtClean="0"/>
+              <a:t>           </a:t>
+            </a:r>
           </a:p>
         </p:txBody>
       </p:sp>
@@ -5066,64 +5307,10 @@
           </a:p>
         </p:txBody>
       </p:sp>
-      <p:pic>
-        <p:nvPicPr>
-          <p:cNvPr id="2050" name="Picture 2"/>
-          <p:cNvPicPr>
-            <a:picLocks noChangeAspect="1" noChangeArrowheads="1"/>
-          </p:cNvPicPr>
-          <p:nvPr/>
-        </p:nvPicPr>
-        <p:blipFill>
-          <a:blip r:embed="rId2">
-            <a:extLst>
-              <a:ext uri="{28A0092B-C50C-407E-A947-70E740481C1C}">
-                <a14:useLocalDpi xmlns:a14="http://schemas.microsoft.com/office/drawing/2010/main" val="0"/>
-              </a:ext>
-            </a:extLst>
-          </a:blip>
-          <a:srcRect/>
-          <a:stretch>
-            <a:fillRect/>
-          </a:stretch>
-        </p:blipFill>
-        <p:spPr bwMode="auto">
-          <a:xfrm>
-            <a:off x="4644008" y="3068960"/>
-            <a:ext cx="4221144" cy="2664296"/>
-          </a:xfrm>
-          <a:prstGeom prst="rect">
-            <a:avLst/>
-          </a:prstGeom>
-          <a:noFill/>
-          <a:ln>
-            <a:noFill/>
-          </a:ln>
-          <a:extLst>
-            <a:ext uri="{909E8E84-426E-40DD-AFC4-6F175D3DCCD1}">
-              <a14:hiddenFill xmlns:a14="http://schemas.microsoft.com/office/drawing/2010/main">
-                <a:solidFill>
-                  <a:schemeClr val="accent1"/>
-                </a:solidFill>
-              </a14:hiddenFill>
-            </a:ext>
-            <a:ext uri="{91240B29-F687-4F45-9708-019B960494DF}">
-              <a14:hiddenLine xmlns:a14="http://schemas.microsoft.com/office/drawing/2010/main" w="9525">
-                <a:solidFill>
-                  <a:schemeClr val="tx1"/>
-                </a:solidFill>
-                <a:miter lim="800000"/>
-                <a:headEnd/>
-                <a:tailEnd/>
-              </a14:hiddenLine>
-            </a:ext>
-          </a:extLst>
-        </p:spPr>
-      </p:pic>
     </p:spTree>
     <p:extLst>
       <p:ext uri="{BB962C8B-B14F-4D97-AF65-F5344CB8AC3E}">
-        <p14:creationId xmlns:p14="http://schemas.microsoft.com/office/powerpoint/2010/main" val="4187908862"/>
+        <p14:creationId xmlns:p14="http://schemas.microsoft.com/office/powerpoint/2010/main" val="2759663294"/>
       </p:ext>
     </p:extLst>
   </p:cSld>
@@ -5217,64 +5404,37 @@
           </a:xfrm>
         </p:spPr>
         <p:txBody>
-          <a:bodyPr/>
-          <a:lstStyle/>
-          <a:p>
-            <a:r>
-              <a:rPr lang="zh-CN" altLang="en-US" dirty="0" smtClean="0"/>
-              <a:t>为什么选择</a:t>
-            </a:r>
-            <a:r>
-              <a:rPr lang="en-US" altLang="zh-CN" dirty="0" err="1" smtClean="0"/>
-              <a:t>AngularJS</a:t>
-            </a:r>
-            <a:endParaRPr lang="en-US" altLang="zh-CN" dirty="0" smtClean="0"/>
-          </a:p>
-          <a:p>
-            <a:endParaRPr lang="en-US" altLang="zh-CN" dirty="0" smtClean="0">
-              <a:solidFill>
-                <a:srgbClr val="FF0000"/>
-              </a:solidFill>
-            </a:endParaRPr>
-          </a:p>
-          <a:p>
-            <a:r>
-              <a:rPr lang="en-US" altLang="zh-CN" dirty="0" err="1" smtClean="0">
-                <a:solidFill>
-                  <a:srgbClr val="FF0000"/>
-                </a:solidFill>
-              </a:rPr>
-              <a:t>AngularJS</a:t>
-            </a:r>
-            <a:r>
-              <a:rPr lang="zh-CN" altLang="en-US" dirty="0" smtClean="0">
-                <a:solidFill>
-                  <a:srgbClr val="FF0000"/>
-                </a:solidFill>
-              </a:rPr>
-              <a:t>简介</a:t>
-            </a:r>
-            <a:endParaRPr lang="en-US" altLang="zh-CN" dirty="0" smtClean="0">
-              <a:solidFill>
-                <a:srgbClr val="FF0000"/>
-              </a:solidFill>
-            </a:endParaRPr>
-          </a:p>
+          <a:bodyPr>
+            <a:normAutofit/>
+          </a:bodyPr>
+          <a:lstStyle/>
           <a:p>
             <a:pPr marL="0" indent="0">
               <a:buNone/>
             </a:pPr>
-            <a:endParaRPr lang="en-US" altLang="zh-CN" dirty="0" smtClean="0"/>
-          </a:p>
-          <a:p>
-            <a:r>
-              <a:rPr lang="en-US" altLang="zh-CN" dirty="0" smtClean="0"/>
-              <a:t>Demo</a:t>
-            </a:r>
-            <a:r>
-              <a:rPr lang="zh-CN" altLang="en-US" dirty="0"/>
-              <a:t>展示</a:t>
-            </a:r>
+            <a:r>
+              <a:rPr lang="en-US" altLang="zh-CN" sz="1800" dirty="0" smtClean="0"/>
+              <a:t>CRM</a:t>
+            </a:r>
+            <a:r>
+              <a:rPr lang="zh-CN" altLang="en-US" sz="1800" dirty="0" smtClean="0"/>
+              <a:t>项目                                                        个人的</a:t>
+            </a:r>
+            <a:r>
+              <a:rPr lang="en-US" altLang="zh-CN" sz="1800" dirty="0" err="1" smtClean="0"/>
+              <a:t>NoName</a:t>
+            </a:r>
+            <a:r>
+              <a:rPr lang="zh-CN" altLang="en-US" sz="1800" dirty="0" smtClean="0"/>
+              <a:t>项目</a:t>
+            </a:r>
+            <a:endParaRPr lang="en-US" altLang="zh-CN" sz="1800" dirty="0" smtClean="0"/>
+          </a:p>
+          <a:p>
+            <a:pPr marL="0" indent="0">
+              <a:buNone/>
+            </a:pPr>
+            <a:endParaRPr lang="en-US" altLang="zh-CN" sz="1800" dirty="0"/>
           </a:p>
         </p:txBody>
       </p:sp>
@@ -5332,7 +5492,7 @@
         <p:spPr>
           <a:xfrm>
             <a:off x="611559" y="1295400"/>
-            <a:ext cx="5728905" cy="1143000"/>
+            <a:ext cx="5904657" cy="1143000"/>
           </a:xfrm>
           <a:prstGeom prst="rect">
             <a:avLst/>
@@ -5364,16 +5524,139 @@
           </a:lstStyle>
           <a:p>
             <a:r>
-              <a:rPr lang="zh-CN" altLang="en-US" dirty="0"/>
-              <a:t>概要</a:t>
-            </a:r>
-          </a:p>
-        </p:txBody>
-      </p:sp>
+              <a:rPr lang="zh-CN" altLang="en-US" dirty="0" smtClean="0"/>
+              <a:t>为什么选择</a:t>
+            </a:r>
+            <a:r>
+              <a:rPr lang="en-US" altLang="zh-CN" dirty="0" err="1" smtClean="0"/>
+              <a:t>AngularJS</a:t>
+            </a:r>
+            <a:endParaRPr lang="zh-CN" altLang="en-US" dirty="0"/>
+          </a:p>
+        </p:txBody>
+      </p:sp>
+      <p:pic>
+        <p:nvPicPr>
+          <p:cNvPr id="2050" name="Picture 2"/>
+          <p:cNvPicPr>
+            <a:picLocks noChangeAspect="1" noChangeArrowheads="1"/>
+          </p:cNvPicPr>
+          <p:nvPr/>
+        </p:nvPicPr>
+        <p:blipFill>
+          <a:blip r:embed="rId2">
+            <a:extLst>
+              <a:ext uri="{28A0092B-C50C-407E-A947-70E740481C1C}">
+                <a14:useLocalDpi xmlns:a14="http://schemas.microsoft.com/office/drawing/2010/main" val="0"/>
+              </a:ext>
+            </a:extLst>
+          </a:blip>
+          <a:srcRect/>
+          <a:stretch>
+            <a:fillRect/>
+          </a:stretch>
+        </p:blipFill>
+        <p:spPr bwMode="auto">
+          <a:xfrm>
+            <a:off x="4644008" y="3068960"/>
+            <a:ext cx="4221144" cy="2664296"/>
+          </a:xfrm>
+          <a:prstGeom prst="rect">
+            <a:avLst/>
+          </a:prstGeom>
+          <a:noFill/>
+          <a:ln>
+            <a:noFill/>
+          </a:ln>
+          <a:extLst>
+            <a:ext uri="{909E8E84-426E-40DD-AFC4-6F175D3DCCD1}">
+              <a14:hiddenFill xmlns:a14="http://schemas.microsoft.com/office/drawing/2010/main">
+                <a:solidFill>
+                  <a:schemeClr val="accent1"/>
+                </a:solidFill>
+              </a14:hiddenFill>
+            </a:ext>
+            <a:ext uri="{91240B29-F687-4F45-9708-019B960494DF}">
+              <a14:hiddenLine xmlns:a14="http://schemas.microsoft.com/office/drawing/2010/main" w="9525">
+                <a:solidFill>
+                  <a:schemeClr val="tx1"/>
+                </a:solidFill>
+                <a:miter lim="800000"/>
+                <a:headEnd/>
+                <a:tailEnd/>
+              </a14:hiddenLine>
+            </a:ext>
+          </a:extLst>
+        </p:spPr>
+      </p:pic>
+      <p:pic>
+        <p:nvPicPr>
+          <p:cNvPr id="1027" name="Picture 3"/>
+          <p:cNvPicPr>
+            <a:picLocks noChangeAspect="1" noChangeArrowheads="1"/>
+          </p:cNvPicPr>
+          <p:nvPr/>
+        </p:nvPicPr>
+        <p:blipFill>
+          <a:blip r:embed="rId3">
+            <a:extLst>
+              <a:ext uri="{28A0092B-C50C-407E-A947-70E740481C1C}">
+                <a14:useLocalDpi xmlns:a14="http://schemas.microsoft.com/office/drawing/2010/main" val="0"/>
+              </a:ext>
+            </a:extLst>
+          </a:blip>
+          <a:srcRect/>
+          <a:stretch>
+            <a:fillRect/>
+          </a:stretch>
+        </p:blipFill>
+        <p:spPr bwMode="auto">
+          <a:xfrm>
+            <a:off x="539552" y="3068960"/>
+            <a:ext cx="3808206" cy="2664296"/>
+          </a:xfrm>
+          <a:prstGeom prst="rect">
+            <a:avLst/>
+          </a:prstGeom>
+          <a:noFill/>
+          <a:ln>
+            <a:noFill/>
+          </a:ln>
+          <a:effectLst/>
+          <a:extLst>
+            <a:ext uri="{909E8E84-426E-40DD-AFC4-6F175D3DCCD1}">
+              <a14:hiddenFill xmlns:a14="http://schemas.microsoft.com/office/drawing/2010/main">
+                <a:solidFill>
+                  <a:schemeClr val="accent1"/>
+                </a:solidFill>
+              </a14:hiddenFill>
+            </a:ext>
+            <a:ext uri="{91240B29-F687-4F45-9708-019B960494DF}">
+              <a14:hiddenLine xmlns:a14="http://schemas.microsoft.com/office/drawing/2010/main" w="9525">
+                <a:solidFill>
+                  <a:schemeClr val="tx1"/>
+                </a:solidFill>
+                <a:miter lim="800000"/>
+                <a:headEnd/>
+                <a:tailEnd/>
+              </a14:hiddenLine>
+            </a:ext>
+            <a:ext uri="{AF507438-7753-43E0-B8FC-AC1667EBCBE1}">
+              <a14:hiddenEffects xmlns:a14="http://schemas.microsoft.com/office/drawing/2010/main">
+                <a:effectLst>
+                  <a:outerShdw dist="35921" dir="2700000" algn="ctr" rotWithShape="0">
+                    <a:schemeClr val="bg2"/>
+                  </a:outerShdw>
+                </a:effectLst>
+              </a14:hiddenEffects>
+            </a:ext>
+          </a:extLst>
+        </p:spPr>
+      </p:pic>
     </p:spTree>
     <p:extLst>
       <p:ext uri="{BB962C8B-B14F-4D97-AF65-F5344CB8AC3E}">
-        <p14:creationId xmlns:p14="http://schemas.microsoft.com/office/powerpoint/2010/main" val="230833149"/>
+        <p14:creationId xmlns:p14="http://schemas.microsoft.com/office/powerpoint/2010/main" val="4187908862"/>
       </p:ext>
     </p:extLst>
   </p:cSld>
@@ -5467,294 +5750,64 @@
           </a:xfrm>
         </p:spPr>
         <p:txBody>
-          <a:bodyPr>
-            <a:noAutofit/>
-          </a:bodyPr>
-          <a:lstStyle/>
-          <a:p>
-            <a:pPr marL="0" indent="0">
-              <a:buNone/>
-            </a:pPr>
-            <a:r>
-              <a:rPr lang="en-US" altLang="zh-CN" sz="1600" dirty="0" err="1" smtClean="0">
-                <a:latin typeface="+mn-ea"/>
+          <a:bodyPr/>
+          <a:lstStyle/>
+          <a:p>
+            <a:r>
+              <a:rPr lang="zh-CN" altLang="en-US" dirty="0" smtClean="0"/>
+              <a:t>为什么选择</a:t>
+            </a:r>
+            <a:r>
+              <a:rPr lang="en-US" altLang="zh-CN" dirty="0" err="1" smtClean="0"/>
+              <a:t>AngularJS</a:t>
+            </a:r>
+            <a:endParaRPr lang="en-US" altLang="zh-CN" dirty="0" smtClean="0"/>
+          </a:p>
+          <a:p>
+            <a:endParaRPr lang="en-US" altLang="zh-CN" dirty="0" smtClean="0">
+              <a:solidFill>
+                <a:srgbClr val="FF0000"/>
+              </a:solidFill>
+            </a:endParaRPr>
+          </a:p>
+          <a:p>
+            <a:r>
+              <a:rPr lang="en-US" altLang="zh-CN" dirty="0" err="1" smtClean="0">
+                <a:solidFill>
+                  <a:srgbClr val="FF0000"/>
+                </a:solidFill>
               </a:rPr>
               <a:t>AngularJS</a:t>
             </a:r>
             <a:r>
-              <a:rPr lang="zh-CN" altLang="en-US" sz="1600" dirty="0" smtClean="0">
-                <a:latin typeface="+mn-ea"/>
+              <a:rPr lang="zh-CN" altLang="en-US" dirty="0" smtClean="0">
+                <a:solidFill>
+                  <a:srgbClr val="FF0000"/>
+                </a:solidFill>
               </a:rPr>
-              <a:t>是为克服</a:t>
-            </a:r>
-            <a:r>
-              <a:rPr lang="en-US" altLang="zh-CN" sz="1600" dirty="0" smtClean="0">
-                <a:latin typeface="+mn-ea"/>
-              </a:rPr>
-              <a:t>HTML</a:t>
-            </a:r>
-            <a:r>
-              <a:rPr lang="zh-CN" altLang="en-US" sz="1600" dirty="0" smtClean="0">
-                <a:latin typeface="+mn-ea"/>
-              </a:rPr>
-              <a:t>在构建应用上的不足而设计的。</a:t>
-            </a:r>
-            <a:r>
-              <a:rPr lang="en-US" altLang="zh-CN" sz="1600" dirty="0">
-                <a:latin typeface="+mn-ea"/>
-              </a:rPr>
-              <a:t>HTML</a:t>
-            </a:r>
-            <a:r>
-              <a:rPr lang="zh-CN" altLang="en-US" sz="1600" dirty="0">
-                <a:latin typeface="+mn-ea"/>
-              </a:rPr>
-              <a:t>是一门很好的为静态文本展示设计的声明式语言，但要构建</a:t>
-            </a:r>
-            <a:r>
-              <a:rPr lang="en-US" altLang="zh-CN" sz="1600" dirty="0">
-                <a:latin typeface="+mn-ea"/>
-              </a:rPr>
-              <a:t>WEB</a:t>
-            </a:r>
-            <a:r>
-              <a:rPr lang="zh-CN" altLang="en-US" sz="1600" dirty="0">
-                <a:latin typeface="+mn-ea"/>
-              </a:rPr>
-              <a:t>应用的话它就显得乏力了。所以我做了一些工作（你也可以觉得是小花招）来让浏览器做我想要的事</a:t>
-            </a:r>
-            <a:r>
-              <a:rPr lang="zh-CN" altLang="en-US" sz="1600" dirty="0" smtClean="0">
-                <a:latin typeface="+mn-ea"/>
-              </a:rPr>
-              <a:t>。通常</a:t>
-            </a:r>
-            <a:r>
-              <a:rPr lang="zh-CN" altLang="en-US" sz="1600" dirty="0">
-                <a:latin typeface="+mn-ea"/>
-              </a:rPr>
-              <a:t>，我们是通过以下技术来解决静态网页技术在构建动态应用上的不足：</a:t>
-            </a:r>
-          </a:p>
-          <a:p>
-            <a:r>
-              <a:rPr lang="zh-CN" altLang="en-US" sz="1600" dirty="0" smtClean="0">
-                <a:latin typeface="+mn-ea"/>
-              </a:rPr>
-              <a:t>类</a:t>
-            </a:r>
-            <a:r>
-              <a:rPr lang="zh-CN" altLang="en-US" sz="1600" dirty="0">
-                <a:latin typeface="+mn-ea"/>
-              </a:rPr>
-              <a:t>库 </a:t>
-            </a:r>
-            <a:r>
-              <a:rPr lang="en-US" altLang="zh-CN" sz="1600" dirty="0">
-                <a:latin typeface="+mn-ea"/>
-              </a:rPr>
-              <a:t>- </a:t>
-            </a:r>
-            <a:r>
-              <a:rPr lang="zh-CN" altLang="en-US" sz="1600" dirty="0">
-                <a:latin typeface="+mn-ea"/>
-              </a:rPr>
-              <a:t>类库是一些函数的集合，它能帮助你写</a:t>
-            </a:r>
-            <a:r>
-              <a:rPr lang="en-US" altLang="zh-CN" sz="1600" dirty="0">
-                <a:latin typeface="+mn-ea"/>
-              </a:rPr>
-              <a:t>WEB</a:t>
-            </a:r>
-            <a:r>
-              <a:rPr lang="zh-CN" altLang="en-US" sz="1600" dirty="0">
-                <a:latin typeface="+mn-ea"/>
-              </a:rPr>
-              <a:t>应用。起主导作用的是你的代码，由你来决定何时使用类库。类库有：</a:t>
-            </a:r>
-            <a:r>
-              <a:rPr lang="en-US" altLang="zh-CN" sz="1600" dirty="0" err="1">
-                <a:latin typeface="+mn-ea"/>
-              </a:rPr>
-              <a:t>jQuery</a:t>
-            </a:r>
-            <a:r>
-              <a:rPr lang="zh-CN" altLang="en-US" sz="1600" dirty="0" smtClean="0">
-                <a:latin typeface="+mn-ea"/>
-              </a:rPr>
-              <a:t>等</a:t>
-            </a:r>
-            <a:endParaRPr lang="en-US" altLang="zh-CN" sz="1600" dirty="0" smtClean="0">
-              <a:latin typeface="+mn-ea"/>
+              <a:t>简介</a:t>
+            </a:r>
+            <a:endParaRPr lang="en-US" altLang="zh-CN" dirty="0" smtClean="0">
+              <a:solidFill>
+                <a:srgbClr val="FF0000"/>
+              </a:solidFill>
             </a:endParaRPr>
           </a:p>
           <a:p>
-            <a:r>
-              <a:rPr lang="zh-CN" altLang="en-US" sz="1600" dirty="0" smtClean="0">
-                <a:latin typeface="+mn-ea"/>
-              </a:rPr>
-              <a:t>框架 </a:t>
-            </a:r>
-            <a:r>
-              <a:rPr lang="en-US" altLang="zh-CN" sz="1600" dirty="0">
-                <a:latin typeface="+mn-ea"/>
-              </a:rPr>
-              <a:t>- </a:t>
-            </a:r>
-            <a:r>
-              <a:rPr lang="zh-CN" altLang="en-US" sz="1600" dirty="0">
-                <a:latin typeface="+mn-ea"/>
-              </a:rPr>
-              <a:t>框架是一种特殊的、已经实现了的</a:t>
-            </a:r>
-            <a:r>
-              <a:rPr lang="en-US" altLang="zh-CN" sz="1600" dirty="0">
-                <a:latin typeface="+mn-ea"/>
-              </a:rPr>
-              <a:t>WEB</a:t>
-            </a:r>
-            <a:r>
-              <a:rPr lang="zh-CN" altLang="en-US" sz="1600" dirty="0">
-                <a:latin typeface="+mn-ea"/>
-              </a:rPr>
-              <a:t>应用，你只需要对它填充具体的业务逻辑。这里框架是起主导作用的，由它来根据具体的应用逻辑来调用你的代码。框架有</a:t>
-            </a:r>
-            <a:r>
-              <a:rPr lang="zh-CN" altLang="en-US" sz="1600" dirty="0" smtClean="0">
-                <a:latin typeface="+mn-ea"/>
-              </a:rPr>
-              <a:t>：</a:t>
-            </a:r>
-            <a:endParaRPr lang="en-US" altLang="zh-CN" sz="1600" dirty="0" smtClean="0">
-              <a:latin typeface="+mn-ea"/>
-            </a:endParaRPr>
-          </a:p>
-          <a:p>
-            <a:r>
-              <a:rPr lang="en-US" altLang="zh-CN" sz="1600" dirty="0">
-                <a:latin typeface="+mn-ea"/>
-              </a:rPr>
-              <a:t>knockout</a:t>
-            </a:r>
-            <a:r>
-              <a:rPr lang="zh-CN" altLang="en-US" sz="1600" dirty="0">
-                <a:latin typeface="+mn-ea"/>
-              </a:rPr>
-              <a:t>、</a:t>
-            </a:r>
-            <a:r>
-              <a:rPr lang="en-US" altLang="zh-CN" sz="1600" dirty="0" err="1">
-                <a:latin typeface="+mn-ea"/>
-              </a:rPr>
-              <a:t>sproutcore</a:t>
-            </a:r>
-            <a:r>
-              <a:rPr lang="zh-CN" altLang="en-US" sz="1600" dirty="0">
-                <a:latin typeface="+mn-ea"/>
-              </a:rPr>
-              <a:t>等。</a:t>
-            </a:r>
-          </a:p>
-          <a:p>
-            <a:r>
-              <a:rPr lang="en-US" altLang="zh-CN" sz="1600" dirty="0" err="1">
-                <a:latin typeface="+mn-ea"/>
-              </a:rPr>
-              <a:t>AngularJS</a:t>
-            </a:r>
-            <a:r>
-              <a:rPr lang="zh-CN" altLang="en-US" sz="1600" dirty="0">
-                <a:latin typeface="+mn-ea"/>
-              </a:rPr>
-              <a:t>使用了不同的方法，它尝试去补足</a:t>
-            </a:r>
-            <a:r>
-              <a:rPr lang="en-US" altLang="zh-CN" sz="1600" dirty="0">
-                <a:latin typeface="+mn-ea"/>
-              </a:rPr>
-              <a:t>HTML</a:t>
-            </a:r>
-            <a:r>
-              <a:rPr lang="zh-CN" altLang="en-US" sz="1600" dirty="0">
-                <a:latin typeface="+mn-ea"/>
-              </a:rPr>
-              <a:t>本身在构建应用方面的缺陷。</a:t>
-            </a:r>
-            <a:r>
-              <a:rPr lang="en-US" altLang="zh-CN" sz="1600" dirty="0" err="1">
-                <a:latin typeface="+mn-ea"/>
-              </a:rPr>
-              <a:t>AngularJS</a:t>
-            </a:r>
-            <a:r>
-              <a:rPr lang="zh-CN" altLang="en-US" sz="1600" dirty="0">
-                <a:latin typeface="+mn-ea"/>
-              </a:rPr>
-              <a:t>通过使用我们称为标识符</a:t>
-            </a:r>
-            <a:r>
-              <a:rPr lang="en-US" altLang="zh-CN" sz="1600" dirty="0">
-                <a:latin typeface="+mn-ea"/>
-              </a:rPr>
-              <a:t>(directives)</a:t>
-            </a:r>
-            <a:r>
-              <a:rPr lang="zh-CN" altLang="en-US" sz="1600" dirty="0">
-                <a:latin typeface="+mn-ea"/>
-              </a:rPr>
-              <a:t>的结构，让浏览器能够识别新的语法</a:t>
-            </a:r>
-            <a:r>
-              <a:rPr lang="zh-CN" altLang="en-US" sz="1600" dirty="0" smtClean="0">
-                <a:latin typeface="+mn-ea"/>
-              </a:rPr>
-              <a:t>。</a:t>
-            </a:r>
-            <a:endParaRPr lang="en-US" altLang="zh-CN" sz="1600" dirty="0" smtClean="0">
-              <a:latin typeface="+mn-ea"/>
-            </a:endParaRPr>
-          </a:p>
-          <a:p>
             <a:pPr marL="0" indent="0">
               <a:buNone/>
             </a:pPr>
-            <a:r>
-              <a:rPr lang="zh-CN" altLang="en-US" sz="3200" dirty="0">
-                <a:latin typeface="+mn-ea"/>
-                <a:hlinkClick r:id="rId2"/>
-              </a:rPr>
-              <a:t>猛</a:t>
-            </a:r>
-            <a:r>
-              <a:rPr lang="zh-CN" altLang="en-US" sz="3200" dirty="0" smtClean="0">
-                <a:latin typeface="+mn-ea"/>
-                <a:hlinkClick r:id="rId2"/>
-              </a:rPr>
-              <a:t>戳这里：</a:t>
-            </a:r>
-            <a:r>
-              <a:rPr lang="en-US" altLang="zh-CN" sz="3200" dirty="0" smtClean="0">
-                <a:latin typeface="+mn-ea"/>
-                <a:hlinkClick r:id="rId2"/>
-              </a:rPr>
-              <a:t>http</a:t>
-            </a:r>
-            <a:r>
-              <a:rPr lang="en-US" altLang="zh-CN" sz="3200" dirty="0">
-                <a:latin typeface="+mn-ea"/>
-                <a:hlinkClick r:id="rId2"/>
-              </a:rPr>
-              <a:t>://woxx.sinaapp.com/</a:t>
-            </a:r>
-            <a:endParaRPr lang="en-US" altLang="zh-CN" sz="3200" dirty="0">
-              <a:latin typeface="+mn-ea"/>
-            </a:endParaRPr>
-          </a:p>
-          <a:p>
-            <a:endParaRPr lang="en-US" altLang="zh-CN" sz="1600" dirty="0" smtClean="0">
-              <a:latin typeface="+mn-ea"/>
-            </a:endParaRPr>
+            <a:endParaRPr lang="en-US" altLang="zh-CN" dirty="0" smtClean="0"/>
+          </a:p>
+          <a:p>
+            <a:r>
+              <a:rPr lang="en-US" altLang="zh-CN" dirty="0" smtClean="0"/>
+              <a:t>Demo</a:t>
+            </a:r>
+            <a:r>
+              <a:rPr lang="zh-CN" altLang="en-US" dirty="0"/>
+              <a:t>展示</a:t>
+            </a:r>
           </a:p>
         </p:txBody>
       </p:sp>
@@ -5812,7 +5865,7 @@
         <p:spPr>
           <a:xfrm>
             <a:off x="611559" y="1295400"/>
-            <a:ext cx="5904657" cy="1143000"/>
+            <a:ext cx="5728905" cy="1143000"/>
           </a:xfrm>
           <a:prstGeom prst="rect">
             <a:avLst/>
@@ -5844,21 +5897,16 @@
           </a:lstStyle>
           <a:p>
             <a:r>
-              <a:rPr lang="en-US" altLang="zh-CN" dirty="0" err="1" smtClean="0"/>
-              <a:t>AngularJS</a:t>
-            </a:r>
-            <a:r>
-              <a:rPr lang="zh-CN" altLang="en-US" dirty="0" smtClean="0"/>
-              <a:t>简介</a:t>
-            </a:r>
-            <a:endParaRPr lang="zh-CN" altLang="en-US" dirty="0"/>
+              <a:rPr lang="zh-CN" altLang="en-US" dirty="0"/>
+              <a:t>概要</a:t>
+            </a:r>
           </a:p>
         </p:txBody>
       </p:sp>
     </p:spTree>
     <p:extLst>
       <p:ext uri="{BB962C8B-B14F-4D97-AF65-F5344CB8AC3E}">
-        <p14:creationId xmlns:p14="http://schemas.microsoft.com/office/powerpoint/2010/main" val="2797851401"/>
+        <p14:creationId xmlns:p14="http://schemas.microsoft.com/office/powerpoint/2010/main" val="230833149"/>
       </p:ext>
     </p:extLst>
   </p:cSld>
@@ -5952,60 +6000,294 @@
           </a:xfrm>
         </p:spPr>
         <p:txBody>
-          <a:bodyPr/>
-          <a:lstStyle/>
-          <a:p>
-            <a:r>
-              <a:rPr lang="zh-CN" altLang="en-US" dirty="0" smtClean="0"/>
-              <a:t>为什么选择</a:t>
-            </a:r>
-            <a:r>
-              <a:rPr lang="en-US" altLang="zh-CN" dirty="0" err="1" smtClean="0"/>
+          <a:bodyPr>
+            <a:noAutofit/>
+          </a:bodyPr>
+          <a:lstStyle/>
+          <a:p>
+            <a:pPr marL="0" indent="0">
+              <a:buNone/>
+            </a:pPr>
+            <a:r>
+              <a:rPr lang="en-US" altLang="zh-CN" sz="1600" dirty="0" err="1" smtClean="0">
+                <a:latin typeface="+mn-ea"/>
+              </a:rPr>
               <a:t>AngularJS</a:t>
             </a:r>
-            <a:endParaRPr lang="en-US" altLang="zh-CN" dirty="0" smtClean="0"/>
-          </a:p>
-          <a:p>
-            <a:endParaRPr lang="en-US" altLang="zh-CN" dirty="0" smtClean="0"/>
-          </a:p>
-          <a:p>
-            <a:r>
-              <a:rPr lang="en-US" altLang="zh-CN" dirty="0" err="1" smtClean="0"/>
+            <a:r>
+              <a:rPr lang="zh-CN" altLang="en-US" sz="1600" dirty="0" smtClean="0">
+                <a:latin typeface="+mn-ea"/>
+              </a:rPr>
+              <a:t>是为克服</a:t>
+            </a:r>
+            <a:r>
+              <a:rPr lang="en-US" altLang="zh-CN" sz="1600" dirty="0" smtClean="0">
+                <a:latin typeface="+mn-ea"/>
+              </a:rPr>
+              <a:t>HTML</a:t>
+            </a:r>
+            <a:r>
+              <a:rPr lang="zh-CN" altLang="en-US" sz="1600" dirty="0" smtClean="0">
+                <a:latin typeface="+mn-ea"/>
+              </a:rPr>
+              <a:t>在构建应用上的不足而设计的。</a:t>
+            </a:r>
+            <a:r>
+              <a:rPr lang="en-US" altLang="zh-CN" sz="1600" dirty="0">
+                <a:latin typeface="+mn-ea"/>
+              </a:rPr>
+              <a:t>HTML</a:t>
+            </a:r>
+            <a:r>
+              <a:rPr lang="zh-CN" altLang="en-US" sz="1600" dirty="0">
+                <a:latin typeface="+mn-ea"/>
+              </a:rPr>
+              <a:t>是一门很好的为静态文本展示设计的声明式语言，但要构建</a:t>
+            </a:r>
+            <a:r>
+              <a:rPr lang="en-US" altLang="zh-CN" sz="1600" dirty="0">
+                <a:latin typeface="+mn-ea"/>
+              </a:rPr>
+              <a:t>WEB</a:t>
+            </a:r>
+            <a:r>
+              <a:rPr lang="zh-CN" altLang="en-US" sz="1600" dirty="0">
+                <a:latin typeface="+mn-ea"/>
+              </a:rPr>
+              <a:t>应用的话它就显得乏力了。所以我做了一些工作（你也可以觉得是小花招）来让浏览器做我想要的事</a:t>
+            </a:r>
+            <a:r>
+              <a:rPr lang="zh-CN" altLang="en-US" sz="1600" dirty="0" smtClean="0">
+                <a:latin typeface="+mn-ea"/>
+              </a:rPr>
+              <a:t>。通常</a:t>
+            </a:r>
+            <a:r>
+              <a:rPr lang="zh-CN" altLang="en-US" sz="1600" dirty="0">
+                <a:latin typeface="+mn-ea"/>
+              </a:rPr>
+              <a:t>，我们是通过以下技术来解决静态网页技术在构建动态应用上的不足：</a:t>
+            </a:r>
+          </a:p>
+          <a:p>
+            <a:r>
+              <a:rPr lang="zh-CN" altLang="en-US" sz="1600" dirty="0" smtClean="0">
+                <a:latin typeface="+mn-ea"/>
+              </a:rPr>
+              <a:t>类</a:t>
+            </a:r>
+            <a:r>
+              <a:rPr lang="zh-CN" altLang="en-US" sz="1600" dirty="0">
+                <a:latin typeface="+mn-ea"/>
+              </a:rPr>
+              <a:t>库 </a:t>
+            </a:r>
+            <a:r>
+              <a:rPr lang="en-US" altLang="zh-CN" sz="1600" dirty="0">
+                <a:latin typeface="+mn-ea"/>
+              </a:rPr>
+              <a:t>- </a:t>
+            </a:r>
+            <a:r>
+              <a:rPr lang="zh-CN" altLang="en-US" sz="1600" dirty="0">
+                <a:latin typeface="+mn-ea"/>
+              </a:rPr>
+              <a:t>类库是一些函数的集合，它能帮助你写</a:t>
+            </a:r>
+            <a:r>
+              <a:rPr lang="en-US" altLang="zh-CN" sz="1600" dirty="0">
+                <a:latin typeface="+mn-ea"/>
+              </a:rPr>
+              <a:t>WEB</a:t>
+            </a:r>
+            <a:r>
+              <a:rPr lang="zh-CN" altLang="en-US" sz="1600" dirty="0">
+                <a:latin typeface="+mn-ea"/>
+              </a:rPr>
+              <a:t>应用。起主导作用的是你的代码，由你来决定何时使用类库。类库有：</a:t>
+            </a:r>
+            <a:r>
+              <a:rPr lang="en-US" altLang="zh-CN" sz="1600" dirty="0" err="1">
+                <a:latin typeface="+mn-ea"/>
+              </a:rPr>
+              <a:t>jQuery</a:t>
+            </a:r>
+            <a:r>
+              <a:rPr lang="zh-CN" altLang="en-US" sz="1600" dirty="0" smtClean="0">
+                <a:latin typeface="+mn-ea"/>
+              </a:rPr>
+              <a:t>等</a:t>
+            </a:r>
+            <a:endParaRPr lang="en-US" altLang="zh-CN" sz="1600" dirty="0" smtClean="0">
+              <a:latin typeface="+mn-ea"/>
+            </a:endParaRPr>
+          </a:p>
+          <a:p>
+            <a:r>
+              <a:rPr lang="zh-CN" altLang="en-US" sz="1600" dirty="0" smtClean="0">
+                <a:latin typeface="+mn-ea"/>
+              </a:rPr>
+              <a:t>框架 </a:t>
+            </a:r>
+            <a:r>
+              <a:rPr lang="en-US" altLang="zh-CN" sz="1600" dirty="0">
+                <a:latin typeface="+mn-ea"/>
+              </a:rPr>
+              <a:t>- </a:t>
+            </a:r>
+            <a:r>
+              <a:rPr lang="zh-CN" altLang="en-US" sz="1600" dirty="0">
+                <a:latin typeface="+mn-ea"/>
+              </a:rPr>
+              <a:t>框架是一种特殊的、已经实现了的</a:t>
+            </a:r>
+            <a:r>
+              <a:rPr lang="en-US" altLang="zh-CN" sz="1600" dirty="0">
+                <a:latin typeface="+mn-ea"/>
+              </a:rPr>
+              <a:t>WEB</a:t>
+            </a:r>
+            <a:r>
+              <a:rPr lang="zh-CN" altLang="en-US" sz="1600" dirty="0">
+                <a:latin typeface="+mn-ea"/>
+              </a:rPr>
+              <a:t>应用，你只需要对它填充具体的业务逻辑。这里框架是起主导作用的，由它来根据具体的应用逻辑来调用你的代码。框架有</a:t>
+            </a:r>
+            <a:r>
+              <a:rPr lang="zh-CN" altLang="en-US" sz="1600" dirty="0" smtClean="0">
+                <a:latin typeface="+mn-ea"/>
+              </a:rPr>
+              <a:t>：</a:t>
+            </a:r>
+            <a:endParaRPr lang="en-US" altLang="zh-CN" sz="1600" dirty="0" smtClean="0">
+              <a:latin typeface="+mn-ea"/>
+            </a:endParaRPr>
+          </a:p>
+          <a:p>
+            <a:r>
+              <a:rPr lang="en-US" altLang="zh-CN" sz="1600" dirty="0">
+                <a:latin typeface="+mn-ea"/>
+              </a:rPr>
+              <a:t>knockout</a:t>
+            </a:r>
+            <a:r>
+              <a:rPr lang="zh-CN" altLang="en-US" sz="1600" dirty="0">
+                <a:latin typeface="+mn-ea"/>
+              </a:rPr>
+              <a:t>、</a:t>
+            </a:r>
+            <a:r>
+              <a:rPr lang="en-US" altLang="zh-CN" sz="1600" dirty="0" err="1">
+                <a:latin typeface="+mn-ea"/>
+              </a:rPr>
+              <a:t>sproutcore</a:t>
+            </a:r>
+            <a:r>
+              <a:rPr lang="zh-CN" altLang="en-US" sz="1600" dirty="0">
+                <a:latin typeface="+mn-ea"/>
+              </a:rPr>
+              <a:t>等。</a:t>
+            </a:r>
+          </a:p>
+          <a:p>
+            <a:r>
+              <a:rPr lang="en-US" altLang="zh-CN" sz="1600" dirty="0" err="1">
+                <a:latin typeface="+mn-ea"/>
+              </a:rPr>
               <a:t>AngularJS</a:t>
             </a:r>
             <a:r>
-              <a:rPr lang="zh-CN" altLang="en-US" dirty="0" smtClean="0"/>
-              <a:t>简介</a:t>
-            </a:r>
-            <a:endParaRPr lang="en-US" altLang="zh-CN" dirty="0" smtClean="0"/>
+              <a:rPr lang="zh-CN" altLang="en-US" sz="1600" dirty="0">
+                <a:latin typeface="+mn-ea"/>
+              </a:rPr>
+              <a:t>使用了不同的方法，它尝试去补足</a:t>
+            </a:r>
+            <a:r>
+              <a:rPr lang="en-US" altLang="zh-CN" sz="1600" dirty="0">
+                <a:latin typeface="+mn-ea"/>
+              </a:rPr>
+              <a:t>HTML</a:t>
+            </a:r>
+            <a:r>
+              <a:rPr lang="zh-CN" altLang="en-US" sz="1600" dirty="0">
+                <a:latin typeface="+mn-ea"/>
+              </a:rPr>
+              <a:t>本身在构建应用方面的缺陷。</a:t>
+            </a:r>
+            <a:r>
+              <a:rPr lang="en-US" altLang="zh-CN" sz="1600" dirty="0" err="1">
+                <a:latin typeface="+mn-ea"/>
+              </a:rPr>
+              <a:t>AngularJS</a:t>
+            </a:r>
+            <a:r>
+              <a:rPr lang="zh-CN" altLang="en-US" sz="1600" dirty="0">
+                <a:latin typeface="+mn-ea"/>
+              </a:rPr>
+              <a:t>通过使用我们称为标识符</a:t>
+            </a:r>
+            <a:r>
+              <a:rPr lang="en-US" altLang="zh-CN" sz="1600" dirty="0">
+                <a:latin typeface="+mn-ea"/>
+              </a:rPr>
+              <a:t>(directives)</a:t>
+            </a:r>
+            <a:r>
+              <a:rPr lang="zh-CN" altLang="en-US" sz="1600" dirty="0">
+                <a:latin typeface="+mn-ea"/>
+              </a:rPr>
+              <a:t>的结构，让浏览器能够识别新的语法</a:t>
+            </a:r>
+            <a:r>
+              <a:rPr lang="zh-CN" altLang="en-US" sz="1600" dirty="0" smtClean="0">
+                <a:latin typeface="+mn-ea"/>
+              </a:rPr>
+              <a:t>。</a:t>
+            </a:r>
+            <a:endParaRPr lang="en-US" altLang="zh-CN" sz="1600" dirty="0" smtClean="0">
+              <a:latin typeface="+mn-ea"/>
+            </a:endParaRPr>
           </a:p>
           <a:p>
             <a:pPr marL="0" indent="0">
               <a:buNone/>
             </a:pPr>
-            <a:endParaRPr lang="en-US" altLang="zh-CN" dirty="0" smtClean="0">
-              <a:solidFill>
-                <a:srgbClr val="FF0000"/>
-              </a:solidFill>
+            <a:r>
+              <a:rPr lang="zh-CN" altLang="en-US" sz="3200" dirty="0">
+                <a:latin typeface="+mn-ea"/>
+                <a:hlinkClick r:id="rId2"/>
+              </a:rPr>
+              <a:t>猛</a:t>
+            </a:r>
+            <a:r>
+              <a:rPr lang="zh-CN" altLang="en-US" sz="3200" dirty="0" smtClean="0">
+                <a:latin typeface="+mn-ea"/>
+                <a:hlinkClick r:id="rId2"/>
+              </a:rPr>
+              <a:t>戳这里：</a:t>
+            </a:r>
+            <a:r>
+              <a:rPr lang="en-US" altLang="zh-CN" sz="3200" dirty="0" smtClean="0">
+                <a:latin typeface="+mn-ea"/>
+                <a:hlinkClick r:id="rId2"/>
+              </a:rPr>
+              <a:t>http</a:t>
+            </a:r>
+            <a:r>
+              <a:rPr lang="en-US" altLang="zh-CN" sz="3200" dirty="0">
+                <a:latin typeface="+mn-ea"/>
+                <a:hlinkClick r:id="rId2"/>
+              </a:rPr>
+              <a:t>://woxx.sinaapp.com/</a:t>
+            </a:r>
+            <a:endParaRPr lang="en-US" altLang="zh-CN" sz="3200" dirty="0">
+              <a:latin typeface="+mn-ea"/>
             </a:endParaRPr>
           </a:p>
           <a:p>
-            <a:r>
-              <a:rPr lang="en-US" altLang="zh-CN" dirty="0" smtClean="0">
-                <a:solidFill>
-                  <a:srgbClr val="FF0000"/>
-                </a:solidFill>
-              </a:rPr>
-              <a:t>Demo</a:t>
-            </a:r>
-            <a:r>
-              <a:rPr lang="zh-CN" altLang="en-US" dirty="0">
-                <a:solidFill>
-                  <a:srgbClr val="FF0000"/>
-                </a:solidFill>
-              </a:rPr>
-              <a:t>展示</a:t>
-            </a:r>
+            <a:endParaRPr lang="en-US" altLang="zh-CN" sz="1600" dirty="0" smtClean="0">
+              <a:latin typeface="+mn-ea"/>
+            </a:endParaRPr>
           </a:p>
         </p:txBody>
       </p:sp>
@@ -6063,7 +6345,7 @@
         <p:spPr>
           <a:xfrm>
             <a:off x="611559" y="1295400"/>
-            <a:ext cx="5728905" cy="1143000"/>
+            <a:ext cx="5904657" cy="1143000"/>
           </a:xfrm>
           <a:prstGeom prst="rect">
             <a:avLst/>
@@ -6095,16 +6377,21 @@
           </a:lstStyle>
           <a:p>
             <a:r>
-              <a:rPr lang="zh-CN" altLang="en-US" dirty="0"/>
-              <a:t>概要</a:t>
-            </a:r>
+              <a:rPr lang="en-US" altLang="zh-CN" dirty="0" err="1" smtClean="0"/>
+              <a:t>AngularJS</a:t>
+            </a:r>
+            <a:r>
+              <a:rPr lang="zh-CN" altLang="en-US" dirty="0" smtClean="0"/>
+              <a:t>简介</a:t>
+            </a:r>
+            <a:endParaRPr lang="zh-CN" altLang="en-US" dirty="0"/>
           </a:p>
         </p:txBody>
       </p:sp>
     </p:spTree>
     <p:extLst>
       <p:ext uri="{BB962C8B-B14F-4D97-AF65-F5344CB8AC3E}">
-        <p14:creationId xmlns:p14="http://schemas.microsoft.com/office/powerpoint/2010/main" val="3322580379"/>
+        <p14:creationId xmlns:p14="http://schemas.microsoft.com/office/powerpoint/2010/main" val="2797851401"/>
       </p:ext>
     </p:extLst>
   </p:cSld>
@@ -6201,34 +6488,57 @@
           <a:bodyPr/>
           <a:lstStyle/>
           <a:p>
+            <a:r>
+              <a:rPr lang="zh-CN" altLang="en-US" dirty="0" smtClean="0"/>
+              <a:t>为什么选择</a:t>
+            </a:r>
+            <a:r>
+              <a:rPr lang="en-US" altLang="zh-CN" dirty="0" err="1" smtClean="0"/>
+              <a:t>AngularJS</a:t>
+            </a:r>
+            <a:endParaRPr lang="en-US" altLang="zh-CN" dirty="0" smtClean="0"/>
+          </a:p>
+          <a:p>
+            <a:endParaRPr lang="en-US" altLang="zh-CN" dirty="0" smtClean="0"/>
+          </a:p>
+          <a:p>
+            <a:r>
+              <a:rPr lang="en-US" altLang="zh-CN" dirty="0" err="1" smtClean="0"/>
+              <a:t>AngularJS</a:t>
+            </a:r>
+            <a:r>
+              <a:rPr lang="zh-CN" altLang="en-US" dirty="0" smtClean="0"/>
+              <a:t>简介</a:t>
+            </a:r>
+            <a:endParaRPr lang="en-US" altLang="zh-CN" dirty="0" smtClean="0"/>
+          </a:p>
+          <a:p>
             <a:pPr marL="0" indent="0">
               <a:buNone/>
             </a:pPr>
-            <a:r>
-              <a:rPr lang="zh-CN" altLang="en-US" dirty="0" smtClean="0">
-                <a:hlinkClick r:id="rId2" action="ppaction://hlinkfile"/>
+            <a:endParaRPr lang="en-US" altLang="zh-CN" dirty="0" smtClean="0">
+              <a:solidFill>
+                <a:srgbClr val="FF0000"/>
+              </a:solidFill>
+            </a:endParaRPr>
+          </a:p>
+          <a:p>
+            <a:r>
+              <a:rPr lang="en-US" altLang="zh-CN" dirty="0" smtClean="0">
+                <a:solidFill>
+                  <a:srgbClr val="FF0000"/>
+                </a:solidFill>
               </a:rPr>
-              <a:t>点击这里进入</a:t>
-            </a:r>
-            <a:r>
-              <a:rPr lang="en-US" altLang="zh-CN" dirty="0" smtClean="0">
-                <a:hlinkClick r:id="rId2" action="ppaction://hlinkfile"/>
+              <a:t>Demo</a:t>
+            </a:r>
+            <a:r>
+              <a:rPr lang="zh-CN" altLang="en-US" dirty="0">
+                <a:solidFill>
+                  <a:srgbClr val="FF0000"/>
+                </a:solidFill>
               </a:rPr>
-              <a:t>demo</a:t>
-            </a:r>
-            <a:r>
-              <a:rPr lang="zh-CN" altLang="en-US" dirty="0" smtClean="0">
-                <a:hlinkClick r:id="rId2" action="ppaction://hlinkfile"/>
-              </a:rPr>
-              <a:t>文件夹</a:t>
-            </a:r>
-            <a:endParaRPr lang="en-US" altLang="zh-CN" dirty="0" smtClean="0"/>
-          </a:p>
-          <a:p>
-            <a:pPr marL="0" indent="0">
-              <a:buNone/>
-            </a:pPr>
-            <a:endParaRPr lang="en-US" altLang="zh-CN" dirty="0" smtClean="0"/>
+              <a:t>展示</a:t>
+            </a:r>
           </a:p>
         </p:txBody>
       </p:sp>
@@ -6318,21 +6628,16 @@
           </a:lstStyle>
           <a:p>
             <a:r>
-              <a:rPr lang="en-US" altLang="zh-CN" dirty="0" smtClean="0"/>
-              <a:t>Demo</a:t>
-            </a:r>
-            <a:r>
-              <a:rPr lang="zh-CN" altLang="en-US" dirty="0" smtClean="0"/>
-              <a:t>展示</a:t>
-            </a:r>
-            <a:endParaRPr lang="zh-CN" altLang="en-US" dirty="0"/>
+              <a:rPr lang="zh-CN" altLang="en-US" dirty="0"/>
+              <a:t>概要</a:t>
+            </a:r>
           </a:p>
         </p:txBody>
       </p:sp>
     </p:spTree>
     <p:extLst>
       <p:ext uri="{BB962C8B-B14F-4D97-AF65-F5344CB8AC3E}">
-        <p14:creationId xmlns:p14="http://schemas.microsoft.com/office/powerpoint/2010/main" val="1785726064"/>
+        <p14:creationId xmlns:p14="http://schemas.microsoft.com/office/powerpoint/2010/main" val="3322580379"/>
       </p:ext>
     </p:extLst>
   </p:cSld>
@@ -6433,43 +6738,24 @@
               <a:buNone/>
             </a:pPr>
             <a:r>
-              <a:rPr lang="en-US" altLang="zh-CN" dirty="0" smtClean="0"/>
-              <a:t>		</a:t>
-            </a:r>
-          </a:p>
-          <a:p>
-            <a:pPr marL="0" indent="0">
-              <a:buNone/>
-            </a:pPr>
-            <a:r>
-              <a:rPr lang="en-US" altLang="zh-CN" dirty="0"/>
-              <a:t>	</a:t>
-            </a:r>
-            <a:r>
-              <a:rPr lang="en-US" altLang="zh-CN" dirty="0" smtClean="0"/>
-              <a:t>	</a:t>
-            </a:r>
-          </a:p>
-          <a:p>
-            <a:pPr marL="0" indent="0">
-              <a:buNone/>
-            </a:pPr>
-            <a:r>
-              <a:rPr lang="en-US" altLang="zh-CN" dirty="0"/>
-              <a:t>	</a:t>
-            </a:r>
-            <a:r>
-              <a:rPr lang="en-US" altLang="zh-CN" dirty="0" smtClean="0"/>
-              <a:t>	Thank you </a:t>
-            </a:r>
-            <a:r>
-              <a:rPr lang="zh-CN" altLang="en-US" dirty="0" smtClean="0"/>
-              <a:t>！</a:t>
-            </a:r>
-            <a:r>
-              <a:rPr lang="en-US" altLang="zh-CN" dirty="0" smtClean="0"/>
-              <a:t>^_^</a:t>
-            </a:r>
+              <a:rPr lang="zh-CN" altLang="en-US" dirty="0" smtClean="0">
+                <a:hlinkClick r:id="rId2" action="ppaction://hlinkfile"/>
+              </a:rPr>
+              <a:t>点击这里进入</a:t>
+            </a:r>
+            <a:r>
+              <a:rPr lang="en-US" altLang="zh-CN" dirty="0" smtClean="0">
+                <a:hlinkClick r:id="rId2" action="ppaction://hlinkfile"/>
+              </a:rPr>
+              <a:t>demo</a:t>
+            </a:r>
+            <a:r>
+              <a:rPr lang="zh-CN" altLang="en-US" dirty="0" smtClean="0">
+                <a:hlinkClick r:id="rId2" action="ppaction://hlinkfile"/>
+              </a:rPr>
+              <a:t>文件夹</a:t>
+            </a:r>
+            <a:endParaRPr lang="en-US" altLang="zh-CN" dirty="0" smtClean="0"/>
           </a:p>
           <a:p>
             <a:pPr marL="0" indent="0">
@@ -6566,7 +6852,11 @@
           <a:p>
             <a:r>
               <a:rPr lang="en-US" altLang="zh-CN" dirty="0" smtClean="0"/>
-              <a:t>The End</a:t>
+              <a:t>Demo</a:t>
+            </a:r>
+            <a:r>
+              <a:rPr lang="zh-CN" altLang="en-US" dirty="0" smtClean="0"/>
+              <a:t>展示</a:t>
             </a:r>
             <a:endParaRPr lang="zh-CN" altLang="en-US" dirty="0"/>
           </a:p>
@@ -6575,7 +6865,7 @@
     </p:spTree>
     <p:extLst>
       <p:ext uri="{BB962C8B-B14F-4D97-AF65-F5344CB8AC3E}">
-        <p14:creationId xmlns:p14="http://schemas.microsoft.com/office/powerpoint/2010/main" val="3904917234"/>
+        <p14:creationId xmlns:p14="http://schemas.microsoft.com/office/powerpoint/2010/main" val="1785726064"/>
       </p:ext>
     </p:extLst>
   </p:cSld>

--- a/doc/MVC之AngularJS分享文档.V_1.0.pptx
+++ b/doc/MVC之AngularJS分享文档.V_1.0.pptx
@@ -7,14 +7,13 @@
   <p:sldIdLst>
     <p:sldId id="267" r:id="rId2"/>
     <p:sldId id="256" r:id="rId3"/>
-    <p:sldId id="258" r:id="rId4"/>
-    <p:sldId id="265" r:id="rId5"/>
-    <p:sldId id="262" r:id="rId6"/>
-    <p:sldId id="260" r:id="rId7"/>
-    <p:sldId id="261" r:id="rId8"/>
-    <p:sldId id="263" r:id="rId9"/>
-    <p:sldId id="264" r:id="rId10"/>
-    <p:sldId id="266" r:id="rId11"/>
+    <p:sldId id="265" r:id="rId4"/>
+    <p:sldId id="262" r:id="rId5"/>
+    <p:sldId id="260" r:id="rId6"/>
+    <p:sldId id="261" r:id="rId7"/>
+    <p:sldId id="263" r:id="rId8"/>
+    <p:sldId id="264" r:id="rId9"/>
+    <p:sldId id="266" r:id="rId10"/>
   </p:sldIdLst>
   <p:sldSz cx="9144000" cy="6858000" type="screen4x3"/>
   <p:notesSz cx="6858000" cy="9144000"/>
@@ -4064,249 +4063,6 @@
 </p:sld>
 </file>
 
-<file path=ppt/slides/slide10.xml><?xml version="1.0" encoding="utf-8"?>
-<p:sld xmlns:a="http://schemas.openxmlformats.org/drawingml/2006/main" xmlns:r="http://schemas.openxmlformats.org/officeDocument/2006/relationships" xmlns:p="http://schemas.openxmlformats.org/presentationml/2006/main">
-  <p:cSld>
-    <p:spTree>
-      <p:nvGrpSpPr>
-        <p:cNvPr id="1" name=""/>
-        <p:cNvGrpSpPr/>
-        <p:nvPr/>
-      </p:nvGrpSpPr>
-      <p:grpSpPr>
-        <a:xfrm>
-          <a:off x="0" y="0"/>
-          <a:ext cx="0" cy="0"/>
-          <a:chOff x="0" y="0"/>
-          <a:chExt cx="0" cy="0"/>
-        </a:xfrm>
-      </p:grpSpPr>
-      <p:sp>
-        <p:nvSpPr>
-          <p:cNvPr id="4" name="标题 3"/>
-          <p:cNvSpPr>
-            <a:spLocks noGrp="1"/>
-          </p:cNvSpPr>
-          <p:nvPr>
-            <p:ph type="title"/>
-          </p:nvPr>
-        </p:nvSpPr>
-        <p:spPr>
-          <a:xfrm>
-            <a:off x="3779912" y="0"/>
-            <a:ext cx="5357327" cy="980728"/>
-          </a:xfrm>
-        </p:spPr>
-        <p:txBody>
-          <a:bodyPr anchor="t">
-            <a:noAutofit/>
-          </a:bodyPr>
-          <a:lstStyle/>
-          <a:p>
-            <a:pPr algn="r"/>
-            <a:r>
-              <a:rPr lang="en-US" altLang="zh-CN" sz="4400" dirty="0" smtClean="0"/>
-              <a:t>MVC</a:t>
-            </a:r>
-            <a:r>
-              <a:rPr lang="zh-CN" altLang="en-US" sz="4400" dirty="0" smtClean="0"/>
-              <a:t>之</a:t>
-            </a:r>
-            <a:r>
-              <a:rPr lang="en-US" altLang="zh-CN" sz="4400" dirty="0" err="1" smtClean="0"/>
-              <a:t>AngularJS</a:t>
-            </a:r>
-            <a:r>
-              <a:rPr lang="zh-CN" altLang="en-US" sz="4400" dirty="0" smtClean="0"/>
-              <a:t>分享</a:t>
-            </a:r>
-            <a:endParaRPr lang="zh-CN" altLang="en-US" sz="4400" dirty="0"/>
-          </a:p>
-        </p:txBody>
-      </p:sp>
-      <p:sp>
-        <p:nvSpPr>
-          <p:cNvPr id="5" name="内容占位符 4"/>
-          <p:cNvSpPr>
-            <a:spLocks noGrp="1"/>
-          </p:cNvSpPr>
-          <p:nvPr>
-            <p:ph idx="1"/>
-          </p:nvPr>
-        </p:nvSpPr>
-        <p:spPr>
-          <a:xfrm>
-            <a:off x="457200" y="2636912"/>
-            <a:ext cx="8229600" cy="3600400"/>
-          </a:xfrm>
-        </p:spPr>
-        <p:txBody>
-          <a:bodyPr/>
-          <a:lstStyle/>
-          <a:p>
-            <a:pPr marL="0" indent="0">
-              <a:buNone/>
-            </a:pPr>
-            <a:r>
-              <a:rPr lang="en-US" altLang="zh-CN" dirty="0" smtClean="0"/>
-              <a:t>		</a:t>
-            </a:r>
-          </a:p>
-          <a:p>
-            <a:pPr marL="0" indent="0">
-              <a:buNone/>
-            </a:pPr>
-            <a:r>
-              <a:rPr lang="en-US" altLang="zh-CN" dirty="0"/>
-              <a:t>	</a:t>
-            </a:r>
-            <a:r>
-              <a:rPr lang="en-US" altLang="zh-CN" dirty="0" smtClean="0"/>
-              <a:t>	</a:t>
-            </a:r>
-          </a:p>
-          <a:p>
-            <a:pPr marL="0" indent="0">
-              <a:buNone/>
-            </a:pPr>
-            <a:r>
-              <a:rPr lang="en-US" altLang="zh-CN" dirty="0"/>
-              <a:t>	</a:t>
-            </a:r>
-            <a:r>
-              <a:rPr lang="en-US" altLang="zh-CN" dirty="0" smtClean="0"/>
-              <a:t>	Thank you </a:t>
-            </a:r>
-            <a:r>
-              <a:rPr lang="zh-CN" altLang="en-US" dirty="0" smtClean="0"/>
-              <a:t>！</a:t>
-            </a:r>
-            <a:r>
-              <a:rPr lang="en-US" altLang="zh-CN" dirty="0" smtClean="0"/>
-              <a:t>^_^</a:t>
-            </a:r>
-          </a:p>
-          <a:p>
-            <a:pPr marL="0" indent="0">
-              <a:buNone/>
-            </a:pPr>
-            <a:endParaRPr lang="en-US" altLang="zh-CN" dirty="0" smtClean="0"/>
-          </a:p>
-        </p:txBody>
-      </p:sp>
-      <p:sp>
-        <p:nvSpPr>
-          <p:cNvPr id="6" name="TextBox 5"/>
-          <p:cNvSpPr txBox="1"/>
-          <p:nvPr/>
-        </p:nvSpPr>
-        <p:spPr>
-          <a:xfrm>
-            <a:off x="6444208" y="6453336"/>
-            <a:ext cx="2592288" cy="307777"/>
-          </a:xfrm>
-          <a:prstGeom prst="rect">
-            <a:avLst/>
-          </a:prstGeom>
-        </p:spPr>
-        <p:style>
-          <a:lnRef idx="0">
-            <a:schemeClr val="accent3"/>
-          </a:lnRef>
-          <a:fillRef idx="3">
-            <a:schemeClr val="accent3"/>
-          </a:fillRef>
-          <a:effectRef idx="3">
-            <a:schemeClr val="accent3"/>
-          </a:effectRef>
-          <a:fontRef idx="minor">
-            <a:schemeClr val="lt1"/>
-          </a:fontRef>
-        </p:style>
-        <p:txBody>
-          <a:bodyPr wrap="square" rtlCol="0">
-            <a:spAutoFit/>
-          </a:bodyPr>
-          <a:lstStyle/>
-          <a:p>
-            <a:r>
-              <a:rPr lang="zh-CN" altLang="en-US" sz="1400" dirty="0" smtClean="0"/>
-              <a:t>中地数码企业信息化部</a:t>
-            </a:r>
-            <a:endParaRPr lang="zh-CN" altLang="en-US" sz="1400" dirty="0"/>
-          </a:p>
-        </p:txBody>
-      </p:sp>
-      <p:sp>
-        <p:nvSpPr>
-          <p:cNvPr id="7" name="标题 3"/>
-          <p:cNvSpPr txBox="1">
-            <a:spLocks/>
-          </p:cNvSpPr>
-          <p:nvPr/>
-        </p:nvSpPr>
-        <p:spPr>
-          <a:xfrm>
-            <a:off x="611559" y="1295400"/>
-            <a:ext cx="5728905" cy="1143000"/>
-          </a:xfrm>
-          <a:prstGeom prst="rect">
-            <a:avLst/>
-          </a:prstGeom>
-        </p:spPr>
-        <p:txBody>
-          <a:bodyPr vert="horz" lIns="0" rIns="0" bIns="0" anchor="b">
-            <a:normAutofit/>
-          </a:bodyPr>
-          <a:lstStyle>
-            <a:lvl1pPr algn="l" rtl="0" eaLnBrk="1" latinLnBrk="0" hangingPunct="1">
-              <a:spcBef>
-                <a:spcPct val="0"/>
-              </a:spcBef>
-              <a:buNone/>
-              <a:defRPr kumimoji="0" sz="5000" b="0" kern="1200">
-                <a:ln>
-                  <a:noFill/>
-                </a:ln>
-                <a:solidFill>
-                  <a:schemeClr val="tx2"/>
-                </a:solidFill>
-                <a:effectLst/>
-                <a:latin typeface="+mj-lt"/>
-                <a:ea typeface="+mj-ea"/>
-                <a:cs typeface="+mj-cs"/>
-              </a:defRPr>
-            </a:lvl1pPr>
-          </a:lstStyle>
-          <a:p>
-            <a:r>
-              <a:rPr lang="en-US" altLang="zh-CN" dirty="0" smtClean="0"/>
-              <a:t>The End</a:t>
-            </a:r>
-            <a:endParaRPr lang="zh-CN" altLang="en-US" dirty="0"/>
-          </a:p>
-        </p:txBody>
-      </p:sp>
-    </p:spTree>
-    <p:extLst>
-      <p:ext uri="{BB962C8B-B14F-4D97-AF65-F5344CB8AC3E}">
-        <p14:creationId xmlns:p14="http://schemas.microsoft.com/office/powerpoint/2010/main" val="3904917234"/>
-      </p:ext>
-    </p:extLst>
-  </p:cSld>
-  <p:clrMapOvr>
-    <a:masterClrMapping/>
-  </p:clrMapOvr>
-  <p:timing>
-    <p:tnLst>
-      <p:par>
-        <p:cTn id="1" dur="indefinite" restart="never" nodeType="tmRoot"/>
-      </p:par>
-    </p:tnLst>
-  </p:timing>
-</p:sld>
-</file>
-
 <file path=ppt/slides/slide2.xml><?xml version="1.0" encoding="utf-8"?>
 <p:sld xmlns:a="http://schemas.openxmlformats.org/drawingml/2006/main" xmlns:r="http://schemas.openxmlformats.org/officeDocument/2006/relationships" xmlns:p="http://schemas.openxmlformats.org/presentationml/2006/main">
   <p:cSld>
@@ -4631,7 +4387,7 @@
         </p:spPr>
         <p:txBody>
           <a:bodyPr>
-            <a:normAutofit lnSpcReduction="10000"/>
+            <a:normAutofit fontScale="92500" lnSpcReduction="10000"/>
           </a:bodyPr>
           <a:lstStyle/>
           <a:p>
@@ -4653,539 +4409,170 @@
               <a:t>        </a:t>
             </a:r>
             <a:r>
-              <a:rPr lang="zh-CN" altLang="en-US" sz="1800" dirty="0" smtClean="0"/>
-              <a:t>无论</a:t>
-            </a:r>
-            <a:r>
-              <a:rPr lang="zh-CN" altLang="en-US" sz="1800" dirty="0"/>
-              <a:t>是</a:t>
-            </a:r>
-            <a:r>
-              <a:rPr lang="en-US" altLang="zh-CN" sz="1800" dirty="0" smtClean="0"/>
+              <a:rPr lang="zh-CN" altLang="en-US" sz="1900" dirty="0" smtClean="0"/>
+              <a:t>无论从</a:t>
+            </a:r>
+            <a:r>
+              <a:rPr lang="en-US" altLang="zh-CN" sz="1900" dirty="0" smtClean="0"/>
               <a:t>UI-BLL-DAL</a:t>
             </a:r>
             <a:r>
-              <a:rPr lang="zh-CN" altLang="en-US" sz="1800" dirty="0" smtClean="0"/>
+              <a:rPr lang="zh-CN" altLang="en-US" sz="1900" dirty="0" smtClean="0"/>
               <a:t>还是</a:t>
             </a:r>
             <a:r>
-              <a:rPr lang="en-US" altLang="zh-CN" sz="1800" dirty="0" smtClean="0"/>
+              <a:rPr lang="en-US" altLang="zh-CN" sz="1900" dirty="0" smtClean="0"/>
               <a:t>MVC</a:t>
             </a:r>
             <a:r>
-              <a:rPr lang="zh-CN" altLang="en-US" sz="1800" dirty="0" smtClean="0"/>
+              <a:rPr lang="zh-CN" altLang="en-US" sz="1900" dirty="0" smtClean="0"/>
               <a:t>或者是</a:t>
             </a:r>
             <a:r>
-              <a:rPr lang="en-US" altLang="zh-CN" sz="1800" dirty="0" smtClean="0"/>
+              <a:rPr lang="en-US" altLang="zh-CN" sz="1900" dirty="0" smtClean="0"/>
               <a:t>SSH</a:t>
             </a:r>
             <a:r>
-              <a:rPr lang="zh-CN" altLang="en-US" sz="1800" dirty="0" smtClean="0"/>
+              <a:rPr lang="zh-CN" altLang="en-US" sz="1900" dirty="0" smtClean="0"/>
               <a:t>（</a:t>
             </a:r>
             <a:r>
-              <a:rPr lang="en-US" altLang="zh-CN" sz="1800" dirty="0" err="1" smtClean="0"/>
+              <a:rPr lang="en-US" altLang="zh-CN" sz="1900" dirty="0" err="1" smtClean="0"/>
               <a:t>struts+spring+hibernate</a:t>
             </a:r>
             <a:r>
-              <a:rPr lang="zh-CN" altLang="en-US" sz="1800" dirty="0" smtClean="0"/>
-              <a:t>）都给程序员带来了很多利益，便于维护，开发以及逻辑处理等等。</a:t>
-            </a:r>
-            <a:endParaRPr lang="en-US" altLang="zh-CN" sz="1800" dirty="0" smtClean="0"/>
+              <a:rPr lang="zh-CN" altLang="en-US" sz="1900" dirty="0" smtClean="0"/>
+              <a:t>）都给程序员带来了很多利益，便于维护</a:t>
+            </a:r>
+            <a:r>
+              <a:rPr lang="zh-CN" altLang="en-US" sz="1900" dirty="0" smtClean="0"/>
+              <a:t>，</a:t>
+            </a:r>
+            <a:r>
+              <a:rPr lang="zh-CN" altLang="en-US" sz="1900" dirty="0"/>
+              <a:t>统一</a:t>
+            </a:r>
+            <a:r>
+              <a:rPr lang="zh-CN" altLang="en-US" sz="1900" dirty="0" smtClean="0"/>
+              <a:t>逻辑</a:t>
+            </a:r>
+            <a:r>
+              <a:rPr lang="zh-CN" altLang="en-US" sz="1900" dirty="0" smtClean="0"/>
+              <a:t>处理等等。</a:t>
+            </a:r>
+            <a:endParaRPr lang="en-US" altLang="zh-CN" sz="1900" dirty="0" smtClean="0"/>
           </a:p>
           <a:p>
             <a:pPr marL="0" indent="0">
               <a:buNone/>
             </a:pPr>
-            <a:endParaRPr lang="en-US" altLang="zh-CN" sz="1800" dirty="0"/>
+            <a:endParaRPr lang="en-US" altLang="zh-CN" sz="1900" dirty="0"/>
           </a:p>
           <a:p>
             <a:pPr marL="0" indent="0">
               <a:buNone/>
             </a:pPr>
             <a:r>
-              <a:rPr lang="zh-CN" altLang="en-US" sz="1800" dirty="0" smtClean="0"/>
+              <a:rPr lang="zh-CN" altLang="en-US" sz="1900" dirty="0" smtClean="0"/>
               <a:t>      在</a:t>
             </a:r>
             <a:r>
-              <a:rPr lang="en-US" altLang="zh-CN" sz="1800" dirty="0" err="1" smtClean="0"/>
+              <a:rPr lang="en-US" altLang="zh-CN" sz="1900" dirty="0" err="1" smtClean="0"/>
               <a:t>.net</a:t>
             </a:r>
             <a:r>
-              <a:rPr lang="zh-CN" altLang="en-US" sz="1800" dirty="0" smtClean="0"/>
-              <a:t>退出</a:t>
-            </a:r>
-            <a:r>
-              <a:rPr lang="en-US" altLang="zh-CN" sz="1800" dirty="0" err="1" smtClean="0"/>
-              <a:t>wpf</a:t>
-            </a:r>
-            <a:r>
-              <a:rPr lang="zh-CN" altLang="en-US" sz="1800" dirty="0" smtClean="0"/>
-              <a:t>（</a:t>
-            </a:r>
-            <a:r>
-              <a:rPr lang="en-US" altLang="zh-CN" sz="1800" dirty="0" err="1" smtClean="0"/>
-              <a:t>.net</a:t>
-            </a:r>
-            <a:r>
-              <a:rPr lang="en-US" altLang="zh-CN" sz="1800" dirty="0" smtClean="0"/>
-              <a:t>  3.5</a:t>
-            </a:r>
-            <a:r>
-              <a:rPr lang="zh-CN" altLang="en-US" sz="1800" dirty="0" smtClean="0"/>
-              <a:t>）的时候，提出了一项技术</a:t>
-            </a:r>
-            <a:r>
-              <a:rPr lang="en-US" altLang="zh-CN" sz="1800" dirty="0" smtClean="0"/>
-              <a:t>——</a:t>
-            </a:r>
-            <a:r>
-              <a:rPr lang="en-US" altLang="zh-CN" sz="1800" dirty="0" err="1" smtClean="0"/>
-              <a:t>dataBind</a:t>
-            </a:r>
-            <a:r>
-              <a:rPr lang="zh-CN" altLang="en-US" sz="1800" dirty="0" smtClean="0"/>
-              <a:t>，通过实现</a:t>
-            </a:r>
-            <a:r>
-              <a:rPr lang="en-US" altLang="zh-CN" sz="1800" b="1" dirty="0" err="1" smtClean="0"/>
+              <a:rPr lang="en-US" altLang="zh-CN" sz="1900" dirty="0" smtClean="0"/>
+              <a:t>  2.0</a:t>
+            </a:r>
+            <a:r>
+              <a:rPr lang="zh-CN" altLang="en-US" sz="1900" dirty="0" smtClean="0"/>
+              <a:t>的时候，通过实现</a:t>
+            </a:r>
+            <a:r>
+              <a:rPr lang="en-US" altLang="zh-CN" sz="1900" dirty="0" err="1" smtClean="0"/>
               <a:t>INotifyPropertyChanged</a:t>
             </a:r>
             <a:r>
-              <a:rPr lang="zh-CN" altLang="en-US" sz="1800" dirty="0" smtClean="0"/>
-              <a:t>，并在前台做一些数据设置，即可完成动态绑定，这样就能实现实体数据改变实时通知到</a:t>
-            </a:r>
-            <a:r>
-              <a:rPr lang="en-US" altLang="zh-CN" sz="1800" dirty="0" smtClean="0"/>
+              <a:rPr lang="zh-CN" altLang="en-US" sz="1900" dirty="0"/>
+              <a:t>接口</a:t>
+            </a:r>
+            <a:r>
+              <a:rPr lang="zh-CN" altLang="en-US" sz="1900" dirty="0" smtClean="0"/>
+              <a:t>，可以实现属性和</a:t>
+            </a:r>
+            <a:r>
+              <a:rPr lang="en-US" altLang="zh-CN" sz="1900" dirty="0" smtClean="0"/>
               <a:t>UI</a:t>
             </a:r>
             <a:r>
-              <a:rPr lang="zh-CN" altLang="en-US" sz="1800" dirty="0" smtClean="0"/>
-              <a:t>，好吧，这不是重点。</a:t>
-            </a:r>
-            <a:endParaRPr lang="en-US" altLang="zh-CN" sz="1800" dirty="0" smtClean="0"/>
+              <a:rPr lang="zh-CN" altLang="en-US" sz="1900" dirty="0" smtClean="0"/>
+              <a:t>的实时同步，在</a:t>
+            </a:r>
+            <a:r>
+              <a:rPr lang="en-US" altLang="zh-CN" sz="1900" dirty="0" smtClean="0"/>
+              <a:t>3.0</a:t>
+            </a:r>
+            <a:r>
+              <a:rPr lang="zh-CN" altLang="en-US" sz="1900" dirty="0" smtClean="0"/>
+              <a:t>的时候推出</a:t>
+            </a:r>
+            <a:r>
+              <a:rPr lang="en-US" altLang="zh-CN" sz="1900" dirty="0" smtClean="0"/>
+              <a:t>WPF</a:t>
+            </a:r>
+            <a:r>
+              <a:rPr lang="zh-CN" altLang="en-US" sz="1900" dirty="0" smtClean="0"/>
+              <a:t>，实现了</a:t>
+            </a:r>
+            <a:r>
+              <a:rPr lang="en-US" altLang="zh-CN" sz="1900" dirty="0" smtClean="0"/>
+              <a:t>UI</a:t>
+            </a:r>
+            <a:r>
+              <a:rPr lang="zh-CN" altLang="en-US" sz="1900" dirty="0" smtClean="0"/>
+              <a:t>和属性的动态绑定，这让</a:t>
+            </a:r>
+            <a:r>
+              <a:rPr lang="en-US" altLang="zh-CN" sz="1900" dirty="0" smtClean="0"/>
+              <a:t>UI</a:t>
+            </a:r>
+            <a:r>
+              <a:rPr lang="zh-CN" altLang="en-US" sz="1900" dirty="0" smtClean="0"/>
+              <a:t>和</a:t>
+            </a:r>
+            <a:r>
+              <a:rPr lang="en-US" altLang="zh-CN" sz="1900" dirty="0" smtClean="0"/>
+              <a:t>Entity</a:t>
+            </a:r>
+            <a:r>
+              <a:rPr lang="zh-CN" altLang="en-US" sz="1900" dirty="0" smtClean="0"/>
+              <a:t>仅仅通过绑定进行关联，减少了耦合，好吧，这不是重点。</a:t>
+            </a:r>
+            <a:endParaRPr lang="en-US" altLang="zh-CN" sz="1900" dirty="0" smtClean="0"/>
           </a:p>
           <a:p>
             <a:pPr marL="0" indent="0">
               <a:buNone/>
             </a:pPr>
-            <a:endParaRPr lang="en-US" altLang="zh-CN" sz="1800" dirty="0" smtClean="0"/>
+            <a:endParaRPr lang="en-US" altLang="zh-CN" sz="1900" dirty="0" smtClean="0"/>
           </a:p>
           <a:p>
             <a:pPr marL="0" indent="0">
               <a:buNone/>
             </a:pPr>
             <a:r>
-              <a:rPr lang="en-US" altLang="zh-CN" sz="1800" dirty="0"/>
+              <a:rPr lang="en-US" altLang="zh-CN" sz="1900" dirty="0"/>
               <a:t> </a:t>
             </a:r>
             <a:r>
-              <a:rPr lang="en-US" altLang="zh-CN" sz="1800" dirty="0" smtClean="0"/>
+              <a:rPr lang="en-US" altLang="zh-CN" sz="1900" dirty="0" smtClean="0"/>
               <a:t>     </a:t>
             </a:r>
             <a:r>
-              <a:rPr lang="zh-CN" altLang="en-US" sz="1800" dirty="0" smtClean="0"/>
+              <a:rPr lang="zh-CN" altLang="en-US" sz="1900" dirty="0" smtClean="0"/>
               <a:t>那我们在看看三层架构吧，这个不用多说。看下一页的两个截图吧！</a:t>
             </a:r>
-            <a:endParaRPr lang="en-US" altLang="zh-CN" sz="1800" dirty="0" smtClean="0"/>
-          </a:p>
-          <a:p>
-            <a:pPr marL="0" indent="0">
-              <a:buNone/>
-            </a:pPr>
-            <a:endParaRPr lang="en-US" altLang="zh-CN" sz="1800" dirty="0" smtClean="0"/>
-          </a:p>
-          <a:p>
-            <a:pPr marL="0" indent="0">
-              <a:buNone/>
-            </a:pPr>
-            <a:endParaRPr lang="en-US" altLang="zh-CN" sz="1800" dirty="0" smtClean="0"/>
-          </a:p>
-          <a:p>
-            <a:pPr marL="0" indent="0">
-              <a:buNone/>
-            </a:pPr>
-            <a:r>
-              <a:rPr lang="en-US" altLang="zh-CN" sz="1800" dirty="0" smtClean="0"/>
-              <a:t>           </a:t>
-            </a:r>
-          </a:p>
-        </p:txBody>
-      </p:sp>
-      <p:sp>
-        <p:nvSpPr>
-          <p:cNvPr id="6" name="TextBox 5"/>
-          <p:cNvSpPr txBox="1"/>
-          <p:nvPr/>
-        </p:nvSpPr>
-        <p:spPr>
-          <a:xfrm>
-            <a:off x="6444208" y="6453336"/>
-            <a:ext cx="2592288" cy="307777"/>
-          </a:xfrm>
-          <a:prstGeom prst="rect">
-            <a:avLst/>
-          </a:prstGeom>
-        </p:spPr>
-        <p:style>
-          <a:lnRef idx="0">
-            <a:schemeClr val="accent3"/>
-          </a:lnRef>
-          <a:fillRef idx="3">
-            <a:schemeClr val="accent3"/>
-          </a:fillRef>
-          <a:effectRef idx="3">
-            <a:schemeClr val="accent3"/>
-          </a:effectRef>
-          <a:fontRef idx="minor">
-            <a:schemeClr val="lt1"/>
-          </a:fontRef>
-        </p:style>
-        <p:txBody>
-          <a:bodyPr wrap="square" rtlCol="0">
-            <a:spAutoFit/>
-          </a:bodyPr>
-          <a:lstStyle/>
-          <a:p>
-            <a:r>
-              <a:rPr lang="zh-CN" altLang="en-US" sz="1400" dirty="0" smtClean="0"/>
-              <a:t>中地数码企业信息化部</a:t>
-            </a:r>
-            <a:endParaRPr lang="zh-CN" altLang="en-US" sz="1400" dirty="0"/>
-          </a:p>
-        </p:txBody>
-      </p:sp>
-      <p:sp>
-        <p:nvSpPr>
-          <p:cNvPr id="7" name="标题 3"/>
-          <p:cNvSpPr txBox="1">
-            <a:spLocks/>
-          </p:cNvSpPr>
-          <p:nvPr/>
-        </p:nvSpPr>
-        <p:spPr>
-          <a:xfrm>
-            <a:off x="611559" y="1295400"/>
-            <a:ext cx="5904657" cy="1143000"/>
-          </a:xfrm>
-          <a:prstGeom prst="rect">
-            <a:avLst/>
-          </a:prstGeom>
-        </p:spPr>
-        <p:txBody>
-          <a:bodyPr vert="horz" lIns="0" rIns="0" bIns="0" anchor="b">
-            <a:normAutofit/>
-          </a:bodyPr>
-          <a:lstStyle>
-            <a:lvl1pPr algn="l" rtl="0" eaLnBrk="1" latinLnBrk="0" hangingPunct="1">
-              <a:spcBef>
-                <a:spcPct val="0"/>
-              </a:spcBef>
-              <a:buNone/>
-              <a:defRPr kumimoji="0" sz="5000" b="0" kern="1200">
-                <a:ln>
-                  <a:noFill/>
-                </a:ln>
-                <a:solidFill>
-                  <a:schemeClr val="tx2"/>
-                </a:solidFill>
-                <a:effectLst/>
-                <a:latin typeface="+mj-lt"/>
-                <a:ea typeface="+mj-ea"/>
-                <a:cs typeface="+mj-cs"/>
-              </a:defRPr>
-            </a:lvl1pPr>
-          </a:lstStyle>
-          <a:p>
-            <a:r>
-              <a:rPr lang="zh-CN" altLang="en-US" dirty="0" smtClean="0"/>
-              <a:t>为什么选择</a:t>
-            </a:r>
-            <a:r>
-              <a:rPr lang="en-US" altLang="zh-CN" dirty="0" err="1" smtClean="0"/>
-              <a:t>AngularJS</a:t>
-            </a:r>
-            <a:endParaRPr lang="zh-CN" altLang="en-US" dirty="0"/>
-          </a:p>
-        </p:txBody>
-      </p:sp>
-    </p:spTree>
-    <p:extLst>
-      <p:ext uri="{BB962C8B-B14F-4D97-AF65-F5344CB8AC3E}">
-        <p14:creationId xmlns:p14="http://schemas.microsoft.com/office/powerpoint/2010/main" val="2739493738"/>
-      </p:ext>
-    </p:extLst>
-  </p:cSld>
-  <p:clrMapOvr>
-    <a:masterClrMapping/>
-  </p:clrMapOvr>
-  <p:timing>
-    <p:tnLst>
-      <p:par>
-        <p:cTn id="1" dur="indefinite" restart="never" nodeType="tmRoot"/>
-      </p:par>
-    </p:tnLst>
-  </p:timing>
-</p:sld>
-</file>
-
-<file path=ppt/slides/slide4.xml><?xml version="1.0" encoding="utf-8"?>
-<p:sld xmlns:a="http://schemas.openxmlformats.org/drawingml/2006/main" xmlns:r="http://schemas.openxmlformats.org/officeDocument/2006/relationships" xmlns:p="http://schemas.openxmlformats.org/presentationml/2006/main">
-  <p:cSld>
-    <p:spTree>
-      <p:nvGrpSpPr>
-        <p:cNvPr id="1" name=""/>
-        <p:cNvGrpSpPr/>
-        <p:nvPr/>
-      </p:nvGrpSpPr>
-      <p:grpSpPr>
-        <a:xfrm>
-          <a:off x="0" y="0"/>
-          <a:ext cx="0" cy="0"/>
-          <a:chOff x="0" y="0"/>
-          <a:chExt cx="0" cy="0"/>
-        </a:xfrm>
-      </p:grpSpPr>
-      <p:sp>
-        <p:nvSpPr>
-          <p:cNvPr id="4" name="标题 3"/>
-          <p:cNvSpPr>
-            <a:spLocks noGrp="1"/>
-          </p:cNvSpPr>
-          <p:nvPr>
-            <p:ph type="title"/>
-          </p:nvPr>
-        </p:nvSpPr>
-        <p:spPr>
-          <a:xfrm>
-            <a:off x="3779912" y="0"/>
-            <a:ext cx="5357327" cy="980728"/>
-          </a:xfrm>
-        </p:spPr>
-        <p:txBody>
-          <a:bodyPr anchor="t">
-            <a:noAutofit/>
-          </a:bodyPr>
-          <a:lstStyle/>
-          <a:p>
-            <a:pPr algn="r"/>
-            <a:r>
-              <a:rPr lang="en-US" altLang="zh-CN" sz="4400" dirty="0" smtClean="0"/>
-              <a:t>MVC</a:t>
-            </a:r>
-            <a:r>
-              <a:rPr lang="zh-CN" altLang="en-US" sz="4400" dirty="0" smtClean="0"/>
-              <a:t>之</a:t>
-            </a:r>
-            <a:r>
-              <a:rPr lang="en-US" altLang="zh-CN" sz="4400" dirty="0" err="1" smtClean="0"/>
-              <a:t>AngularJS</a:t>
-            </a:r>
-            <a:r>
-              <a:rPr lang="zh-CN" altLang="en-US" sz="4400" dirty="0" smtClean="0"/>
-              <a:t>分享</a:t>
-            </a:r>
-            <a:endParaRPr lang="zh-CN" altLang="en-US" sz="4400" dirty="0"/>
-          </a:p>
-        </p:txBody>
-      </p:sp>
-      <p:sp>
-        <p:nvSpPr>
-          <p:cNvPr id="5" name="内容占位符 4"/>
-          <p:cNvSpPr>
-            <a:spLocks noGrp="1"/>
-          </p:cNvSpPr>
-          <p:nvPr>
-            <p:ph idx="1"/>
-          </p:nvPr>
-        </p:nvSpPr>
-        <p:spPr>
-          <a:xfrm>
-            <a:off x="457200" y="2636912"/>
-            <a:ext cx="8229600" cy="3600400"/>
-          </a:xfrm>
-        </p:spPr>
-        <p:txBody>
-          <a:bodyPr>
-            <a:normAutofit fontScale="92500" lnSpcReduction="10000"/>
-          </a:bodyPr>
-          <a:lstStyle/>
-          <a:p>
-            <a:pPr marL="0" indent="0">
-              <a:buNone/>
-            </a:pPr>
-            <a:r>
-              <a:rPr lang="zh-CN" altLang="en-US" sz="2400" b="1" dirty="0" smtClean="0"/>
-              <a:t>架构</a:t>
-            </a:r>
-            <a:endParaRPr lang="en-US" altLang="zh-CN" sz="2400" b="1" dirty="0" smtClean="0"/>
-          </a:p>
-          <a:p>
-            <a:pPr marL="0" indent="0">
-              <a:buNone/>
-            </a:pPr>
-            <a:r>
-              <a:rPr lang="en-US" altLang="zh-CN" sz="1800" dirty="0" smtClean="0"/>
-              <a:t>        </a:t>
-            </a:r>
-            <a:r>
-              <a:rPr lang="zh-CN" altLang="en-US" sz="1800" dirty="0" smtClean="0"/>
-              <a:t>无论从</a:t>
-            </a:r>
-            <a:r>
-              <a:rPr lang="en-US" altLang="zh-CN" sz="1800" dirty="0" smtClean="0"/>
-              <a:t>UI-BLL-DAL</a:t>
-            </a:r>
-            <a:r>
-              <a:rPr lang="zh-CN" altLang="en-US" sz="1800" dirty="0" smtClean="0"/>
-              <a:t>还是</a:t>
-            </a:r>
-            <a:r>
-              <a:rPr lang="en-US" altLang="zh-CN" sz="1800" dirty="0" smtClean="0"/>
-              <a:t>MVC</a:t>
-            </a:r>
-            <a:r>
-              <a:rPr lang="zh-CN" altLang="en-US" sz="1800" dirty="0" smtClean="0"/>
-              <a:t>或者是</a:t>
-            </a:r>
-            <a:r>
-              <a:rPr lang="en-US" altLang="zh-CN" sz="1800" dirty="0" smtClean="0"/>
-              <a:t>SSH</a:t>
-            </a:r>
-            <a:r>
-              <a:rPr lang="zh-CN" altLang="en-US" sz="1800" dirty="0" smtClean="0"/>
-              <a:t>（</a:t>
-            </a:r>
-            <a:r>
-              <a:rPr lang="en-US" altLang="zh-CN" sz="1800" dirty="0" err="1" smtClean="0"/>
-              <a:t>struts+spring+hibernate</a:t>
-            </a:r>
-            <a:r>
-              <a:rPr lang="zh-CN" altLang="en-US" sz="1800" dirty="0" smtClean="0"/>
-              <a:t>）都给程序员带来了很多利益，便于维护，开发以及逻辑处理等等。</a:t>
-            </a:r>
-            <a:endParaRPr lang="en-US" altLang="zh-CN" sz="1800" dirty="0" smtClean="0"/>
-          </a:p>
-          <a:p>
-            <a:pPr marL="0" indent="0">
-              <a:buNone/>
-            </a:pPr>
-            <a:endParaRPr lang="en-US" altLang="zh-CN" sz="1800" dirty="0"/>
-          </a:p>
-          <a:p>
-            <a:pPr marL="0" indent="0">
-              <a:buNone/>
-            </a:pPr>
-            <a:r>
-              <a:rPr lang="zh-CN" altLang="en-US" sz="1800" dirty="0" smtClean="0"/>
-              <a:t>      在</a:t>
-            </a:r>
-            <a:r>
-              <a:rPr lang="en-US" altLang="zh-CN" sz="1800" dirty="0" err="1" smtClean="0"/>
-              <a:t>.net</a:t>
-            </a:r>
-            <a:r>
-              <a:rPr lang="en-US" altLang="zh-CN" sz="1800" dirty="0" smtClean="0"/>
-              <a:t>  2.0</a:t>
-            </a:r>
-            <a:r>
-              <a:rPr lang="zh-CN" altLang="en-US" sz="1800" dirty="0" smtClean="0"/>
-              <a:t>的时候，通过实现</a:t>
-            </a:r>
-            <a:r>
-              <a:rPr lang="en-US" altLang="zh-CN" sz="1800" dirty="0" err="1" smtClean="0"/>
-              <a:t>INotifyPropertyChanged</a:t>
-            </a:r>
-            <a:r>
-              <a:rPr lang="zh-CN" altLang="en-US" sz="1800" dirty="0"/>
-              <a:t>接口</a:t>
-            </a:r>
-            <a:r>
-              <a:rPr lang="zh-CN" altLang="en-US" sz="1800" dirty="0" smtClean="0"/>
-              <a:t>，可以实现属性和</a:t>
-            </a:r>
-            <a:r>
-              <a:rPr lang="en-US" altLang="zh-CN" sz="1800" dirty="0" smtClean="0"/>
-              <a:t>UI</a:t>
-            </a:r>
-            <a:r>
-              <a:rPr lang="zh-CN" altLang="en-US" sz="1800" dirty="0" smtClean="0"/>
-              <a:t>的实时同步，在</a:t>
-            </a:r>
-            <a:r>
-              <a:rPr lang="en-US" altLang="zh-CN" sz="1800" dirty="0" smtClean="0"/>
-              <a:t>3.0</a:t>
-            </a:r>
-            <a:r>
-              <a:rPr lang="zh-CN" altLang="en-US" sz="1800" dirty="0" smtClean="0"/>
-              <a:t>的时候推出</a:t>
-            </a:r>
-            <a:r>
-              <a:rPr lang="en-US" altLang="zh-CN" sz="1800" dirty="0" smtClean="0"/>
-              <a:t>WPF</a:t>
-            </a:r>
-            <a:r>
-              <a:rPr lang="zh-CN" altLang="en-US" sz="1800" dirty="0" smtClean="0"/>
-              <a:t>，实现了</a:t>
-            </a:r>
-            <a:r>
-              <a:rPr lang="en-US" altLang="zh-CN" sz="1800" dirty="0" smtClean="0"/>
-              <a:t>UI</a:t>
-            </a:r>
-            <a:r>
-              <a:rPr lang="zh-CN" altLang="en-US" sz="1800" dirty="0" smtClean="0"/>
-              <a:t>和属性的动态绑定，这让</a:t>
-            </a:r>
-            <a:r>
-              <a:rPr lang="en-US" altLang="zh-CN" sz="1800" dirty="0" smtClean="0"/>
-              <a:t>UI</a:t>
-            </a:r>
-            <a:r>
-              <a:rPr lang="zh-CN" altLang="en-US" sz="1800" dirty="0" smtClean="0"/>
-              <a:t>和</a:t>
-            </a:r>
-            <a:r>
-              <a:rPr lang="en-US" altLang="zh-CN" sz="1800" dirty="0" smtClean="0"/>
-              <a:t>Entity</a:t>
-            </a:r>
-            <a:r>
-              <a:rPr lang="zh-CN" altLang="en-US" sz="1800" dirty="0" smtClean="0"/>
-              <a:t>仅仅通过绑定进行关联，</a:t>
-            </a:r>
-            <a:r>
-              <a:rPr lang="zh-CN" altLang="en-US" sz="1800" smtClean="0"/>
-              <a:t>减少了耦合，好</a:t>
-            </a:r>
-            <a:r>
-              <a:rPr lang="zh-CN" altLang="en-US" sz="1800" dirty="0" smtClean="0"/>
-              <a:t>吧，这不是重点。</a:t>
-            </a:r>
-            <a:endParaRPr lang="en-US" altLang="zh-CN" sz="1800" dirty="0" smtClean="0"/>
-          </a:p>
-          <a:p>
-            <a:pPr marL="0" indent="0">
-              <a:buNone/>
-            </a:pPr>
-            <a:endParaRPr lang="en-US" altLang="zh-CN" sz="1800" dirty="0" smtClean="0"/>
-          </a:p>
-          <a:p>
-            <a:pPr marL="0" indent="0">
-              <a:buNone/>
-            </a:pPr>
-            <a:r>
-              <a:rPr lang="en-US" altLang="zh-CN" sz="1800" dirty="0"/>
-              <a:t> </a:t>
-            </a:r>
-            <a:r>
-              <a:rPr lang="en-US" altLang="zh-CN" sz="1800" dirty="0" smtClean="0"/>
-              <a:t>     </a:t>
-            </a:r>
-            <a:r>
-              <a:rPr lang="zh-CN" altLang="en-US" sz="1800" dirty="0" smtClean="0"/>
-              <a:t>那我们在看看三层架构吧，这个不用多说。看下一页的两个截图吧！</a:t>
-            </a:r>
-            <a:endParaRPr lang="en-US" altLang="zh-CN" sz="1800" dirty="0" smtClean="0"/>
+            <a:endParaRPr lang="en-US" altLang="zh-CN" sz="1900" dirty="0" smtClean="0"/>
           </a:p>
           <a:p>
             <a:pPr marL="0" indent="0">
@@ -5327,7 +4714,7 @@
 </p:sld>
 </file>
 
-<file path=ppt/slides/slide5.xml><?xml version="1.0" encoding="utf-8"?>
+<file path=ppt/slides/slide4.xml><?xml version="1.0" encoding="utf-8"?>
 <p:sld xmlns:a="http://schemas.openxmlformats.org/drawingml/2006/main" xmlns:r="http://schemas.openxmlformats.org/officeDocument/2006/relationships" xmlns:p="http://schemas.openxmlformats.org/presentationml/2006/main">
   <p:cSld>
     <p:spTree>
@@ -5673,6 +5060,256 @@
 </p:sld>
 </file>
 
+<file path=ppt/slides/slide5.xml><?xml version="1.0" encoding="utf-8"?>
+<p:sld xmlns:a="http://schemas.openxmlformats.org/drawingml/2006/main" xmlns:r="http://schemas.openxmlformats.org/officeDocument/2006/relationships" xmlns:p="http://schemas.openxmlformats.org/presentationml/2006/main">
+  <p:cSld>
+    <p:spTree>
+      <p:nvGrpSpPr>
+        <p:cNvPr id="1" name=""/>
+        <p:cNvGrpSpPr/>
+        <p:nvPr/>
+      </p:nvGrpSpPr>
+      <p:grpSpPr>
+        <a:xfrm>
+          <a:off x="0" y="0"/>
+          <a:ext cx="0" cy="0"/>
+          <a:chOff x="0" y="0"/>
+          <a:chExt cx="0" cy="0"/>
+        </a:xfrm>
+      </p:grpSpPr>
+      <p:sp>
+        <p:nvSpPr>
+          <p:cNvPr id="4" name="标题 3"/>
+          <p:cNvSpPr>
+            <a:spLocks noGrp="1"/>
+          </p:cNvSpPr>
+          <p:nvPr>
+            <p:ph type="title"/>
+          </p:nvPr>
+        </p:nvSpPr>
+        <p:spPr>
+          <a:xfrm>
+            <a:off x="3779912" y="0"/>
+            <a:ext cx="5357327" cy="980728"/>
+          </a:xfrm>
+        </p:spPr>
+        <p:txBody>
+          <a:bodyPr anchor="t">
+            <a:noAutofit/>
+          </a:bodyPr>
+          <a:lstStyle/>
+          <a:p>
+            <a:pPr algn="r"/>
+            <a:r>
+              <a:rPr lang="en-US" altLang="zh-CN" sz="4400" dirty="0" smtClean="0"/>
+              <a:t>MVC</a:t>
+            </a:r>
+            <a:r>
+              <a:rPr lang="zh-CN" altLang="en-US" sz="4400" dirty="0" smtClean="0"/>
+              <a:t>之</a:t>
+            </a:r>
+            <a:r>
+              <a:rPr lang="en-US" altLang="zh-CN" sz="4400" dirty="0" err="1" smtClean="0"/>
+              <a:t>AngularJS</a:t>
+            </a:r>
+            <a:r>
+              <a:rPr lang="zh-CN" altLang="en-US" sz="4400" dirty="0" smtClean="0"/>
+              <a:t>分享</a:t>
+            </a:r>
+            <a:endParaRPr lang="zh-CN" altLang="en-US" sz="4400" dirty="0"/>
+          </a:p>
+        </p:txBody>
+      </p:sp>
+      <p:sp>
+        <p:nvSpPr>
+          <p:cNvPr id="5" name="内容占位符 4"/>
+          <p:cNvSpPr>
+            <a:spLocks noGrp="1"/>
+          </p:cNvSpPr>
+          <p:nvPr>
+            <p:ph idx="1"/>
+          </p:nvPr>
+        </p:nvSpPr>
+        <p:spPr>
+          <a:xfrm>
+            <a:off x="457200" y="2636912"/>
+            <a:ext cx="8229600" cy="3600400"/>
+          </a:xfrm>
+        </p:spPr>
+        <p:txBody>
+          <a:bodyPr/>
+          <a:lstStyle/>
+          <a:p>
+            <a:r>
+              <a:rPr lang="zh-CN" altLang="en-US" dirty="0" smtClean="0"/>
+              <a:t>为什么选择</a:t>
+            </a:r>
+            <a:r>
+              <a:rPr lang="en-US" altLang="zh-CN" dirty="0" err="1" smtClean="0"/>
+              <a:t>AngularJS</a:t>
+            </a:r>
+            <a:endParaRPr lang="en-US" altLang="zh-CN" dirty="0" smtClean="0"/>
+          </a:p>
+          <a:p>
+            <a:endParaRPr lang="en-US" altLang="zh-CN" dirty="0" smtClean="0">
+              <a:solidFill>
+                <a:srgbClr val="FF0000"/>
+              </a:solidFill>
+            </a:endParaRPr>
+          </a:p>
+          <a:p>
+            <a:r>
+              <a:rPr lang="en-US" altLang="zh-CN" dirty="0" err="1" smtClean="0">
+                <a:solidFill>
+                  <a:srgbClr val="FF0000"/>
+                </a:solidFill>
+              </a:rPr>
+              <a:t>AngularJS</a:t>
+            </a:r>
+            <a:r>
+              <a:rPr lang="zh-CN" altLang="en-US" dirty="0" smtClean="0">
+                <a:solidFill>
+                  <a:srgbClr val="FF0000"/>
+                </a:solidFill>
+              </a:rPr>
+              <a:t>简介</a:t>
+            </a:r>
+            <a:endParaRPr lang="en-US" altLang="zh-CN" dirty="0" smtClean="0">
+              <a:solidFill>
+                <a:srgbClr val="FF0000"/>
+              </a:solidFill>
+            </a:endParaRPr>
+          </a:p>
+          <a:p>
+            <a:pPr marL="0" indent="0">
+              <a:buNone/>
+            </a:pPr>
+            <a:endParaRPr lang="en-US" altLang="zh-CN" dirty="0" smtClean="0"/>
+          </a:p>
+          <a:p>
+            <a:r>
+              <a:rPr lang="en-US" altLang="zh-CN" dirty="0" smtClean="0"/>
+              <a:t>Demo</a:t>
+            </a:r>
+            <a:r>
+              <a:rPr lang="zh-CN" altLang="en-US" dirty="0"/>
+              <a:t>展示</a:t>
+            </a:r>
+          </a:p>
+        </p:txBody>
+      </p:sp>
+      <p:sp>
+        <p:nvSpPr>
+          <p:cNvPr id="6" name="TextBox 5"/>
+          <p:cNvSpPr txBox="1"/>
+          <p:nvPr/>
+        </p:nvSpPr>
+        <p:spPr>
+          <a:xfrm>
+            <a:off x="6444208" y="6453336"/>
+            <a:ext cx="2592288" cy="307777"/>
+          </a:xfrm>
+          <a:prstGeom prst="rect">
+            <a:avLst/>
+          </a:prstGeom>
+        </p:spPr>
+        <p:style>
+          <a:lnRef idx="0">
+            <a:schemeClr val="accent3"/>
+          </a:lnRef>
+          <a:fillRef idx="3">
+            <a:schemeClr val="accent3"/>
+          </a:fillRef>
+          <a:effectRef idx="3">
+            <a:schemeClr val="accent3"/>
+          </a:effectRef>
+          <a:fontRef idx="minor">
+            <a:schemeClr val="lt1"/>
+          </a:fontRef>
+        </p:style>
+        <p:txBody>
+          <a:bodyPr wrap="square" rtlCol="0">
+            <a:spAutoFit/>
+          </a:bodyPr>
+          <a:lstStyle/>
+          <a:p>
+            <a:r>
+              <a:rPr lang="zh-CN" altLang="en-US" sz="1400" dirty="0" smtClean="0"/>
+              <a:t>中地数码企业信息化部</a:t>
+            </a:r>
+            <a:endParaRPr lang="zh-CN" altLang="en-US" sz="1400" dirty="0"/>
+          </a:p>
+        </p:txBody>
+      </p:sp>
+      <p:sp>
+        <p:nvSpPr>
+          <p:cNvPr id="7" name="标题 3"/>
+          <p:cNvSpPr txBox="1">
+            <a:spLocks/>
+          </p:cNvSpPr>
+          <p:nvPr/>
+        </p:nvSpPr>
+        <p:spPr>
+          <a:xfrm>
+            <a:off x="611559" y="1295400"/>
+            <a:ext cx="5728905" cy="1143000"/>
+          </a:xfrm>
+          <a:prstGeom prst="rect">
+            <a:avLst/>
+          </a:prstGeom>
+        </p:spPr>
+        <p:txBody>
+          <a:bodyPr vert="horz" lIns="0" rIns="0" bIns="0" anchor="b">
+            <a:normAutofit/>
+          </a:bodyPr>
+          <a:lstStyle>
+            <a:lvl1pPr algn="l" rtl="0" eaLnBrk="1" latinLnBrk="0" hangingPunct="1">
+              <a:spcBef>
+                <a:spcPct val="0"/>
+              </a:spcBef>
+              <a:buNone/>
+              <a:defRPr kumimoji="0" sz="5000" b="0" kern="1200">
+                <a:ln>
+                  <a:noFill/>
+                </a:ln>
+                <a:solidFill>
+                  <a:schemeClr val="tx2"/>
+                </a:solidFill>
+                <a:effectLst/>
+                <a:latin typeface="+mj-lt"/>
+                <a:ea typeface="+mj-ea"/>
+                <a:cs typeface="+mj-cs"/>
+              </a:defRPr>
+            </a:lvl1pPr>
+          </a:lstStyle>
+          <a:p>
+            <a:r>
+              <a:rPr lang="zh-CN" altLang="en-US" dirty="0"/>
+              <a:t>概要</a:t>
+            </a:r>
+          </a:p>
+        </p:txBody>
+      </p:sp>
+    </p:spTree>
+    <p:extLst>
+      <p:ext uri="{BB962C8B-B14F-4D97-AF65-F5344CB8AC3E}">
+        <p14:creationId xmlns:p14="http://schemas.microsoft.com/office/powerpoint/2010/main" val="230833149"/>
+      </p:ext>
+    </p:extLst>
+  </p:cSld>
+  <p:clrMapOvr>
+    <a:masterClrMapping/>
+  </p:clrMapOvr>
+  <p:timing>
+    <p:tnLst>
+      <p:par>
+        <p:cTn id="1" dur="indefinite" restart="never" nodeType="tmRoot"/>
+      </p:par>
+    </p:tnLst>
+  </p:timing>
+</p:sld>
+</file>
+
 <file path=ppt/slides/slide6.xml><?xml version="1.0" encoding="utf-8"?>
 <p:sld xmlns:a="http://schemas.openxmlformats.org/drawingml/2006/main" xmlns:r="http://schemas.openxmlformats.org/officeDocument/2006/relationships" xmlns:p="http://schemas.openxmlformats.org/presentationml/2006/main">
   <p:cSld>
@@ -5750,64 +5387,294 @@
           </a:xfrm>
         </p:spPr>
         <p:txBody>
-          <a:bodyPr/>
-          <a:lstStyle/>
-          <a:p>
-            <a:r>
-              <a:rPr lang="zh-CN" altLang="en-US" dirty="0" smtClean="0"/>
-              <a:t>为什么选择</a:t>
-            </a:r>
-            <a:r>
-              <a:rPr lang="en-US" altLang="zh-CN" dirty="0" err="1" smtClean="0"/>
-              <a:t>AngularJS</a:t>
-            </a:r>
-            <a:endParaRPr lang="en-US" altLang="zh-CN" dirty="0" smtClean="0"/>
-          </a:p>
-          <a:p>
-            <a:endParaRPr lang="en-US" altLang="zh-CN" dirty="0" smtClean="0">
-              <a:solidFill>
-                <a:srgbClr val="FF0000"/>
-              </a:solidFill>
-            </a:endParaRPr>
-          </a:p>
-          <a:p>
-            <a:r>
-              <a:rPr lang="en-US" altLang="zh-CN" dirty="0" err="1" smtClean="0">
-                <a:solidFill>
-                  <a:srgbClr val="FF0000"/>
-                </a:solidFill>
+          <a:bodyPr>
+            <a:noAutofit/>
+          </a:bodyPr>
+          <a:lstStyle/>
+          <a:p>
+            <a:pPr marL="0" indent="0">
+              <a:buNone/>
+            </a:pPr>
+            <a:r>
+              <a:rPr lang="en-US" altLang="zh-CN" sz="1600" dirty="0" err="1" smtClean="0">
+                <a:latin typeface="+mn-ea"/>
               </a:rPr>
               <a:t>AngularJS</a:t>
             </a:r>
             <a:r>
-              <a:rPr lang="zh-CN" altLang="en-US" dirty="0" smtClean="0">
-                <a:solidFill>
-                  <a:srgbClr val="FF0000"/>
-                </a:solidFill>
+              <a:rPr lang="zh-CN" altLang="en-US" sz="1600" dirty="0" smtClean="0">
+                <a:latin typeface="+mn-ea"/>
               </a:rPr>
-              <a:t>简介</a:t>
-            </a:r>
-            <a:endParaRPr lang="en-US" altLang="zh-CN" dirty="0" smtClean="0">
-              <a:solidFill>
-                <a:srgbClr val="FF0000"/>
-              </a:solidFill>
+              <a:t>是为克服</a:t>
+            </a:r>
+            <a:r>
+              <a:rPr lang="en-US" altLang="zh-CN" sz="1600" dirty="0" smtClean="0">
+                <a:latin typeface="+mn-ea"/>
+              </a:rPr>
+              <a:t>HTML</a:t>
+            </a:r>
+            <a:r>
+              <a:rPr lang="zh-CN" altLang="en-US" sz="1600" dirty="0" smtClean="0">
+                <a:latin typeface="+mn-ea"/>
+              </a:rPr>
+              <a:t>在构建应用上的不足而设计的。</a:t>
+            </a:r>
+            <a:r>
+              <a:rPr lang="en-US" altLang="zh-CN" sz="1600" dirty="0">
+                <a:latin typeface="+mn-ea"/>
+              </a:rPr>
+              <a:t>HTML</a:t>
+            </a:r>
+            <a:r>
+              <a:rPr lang="zh-CN" altLang="en-US" sz="1600" dirty="0">
+                <a:latin typeface="+mn-ea"/>
+              </a:rPr>
+              <a:t>是一门很好的为静态文本展示设计的声明式语言，但要构建</a:t>
+            </a:r>
+            <a:r>
+              <a:rPr lang="en-US" altLang="zh-CN" sz="1600" dirty="0">
+                <a:latin typeface="+mn-ea"/>
+              </a:rPr>
+              <a:t>WEB</a:t>
+            </a:r>
+            <a:r>
+              <a:rPr lang="zh-CN" altLang="en-US" sz="1600" dirty="0">
+                <a:latin typeface="+mn-ea"/>
+              </a:rPr>
+              <a:t>应用的话它就显得乏力了。所以我做了一些工作（你也可以觉得是小花招）来让浏览器做我想要的事</a:t>
+            </a:r>
+            <a:r>
+              <a:rPr lang="zh-CN" altLang="en-US" sz="1600" dirty="0" smtClean="0">
+                <a:latin typeface="+mn-ea"/>
+              </a:rPr>
+              <a:t>。通常</a:t>
+            </a:r>
+            <a:r>
+              <a:rPr lang="zh-CN" altLang="en-US" sz="1600" dirty="0">
+                <a:latin typeface="+mn-ea"/>
+              </a:rPr>
+              <a:t>，我们是通过以下技术来解决静态网页技术在构建动态应用上的不足：</a:t>
+            </a:r>
+          </a:p>
+          <a:p>
+            <a:r>
+              <a:rPr lang="zh-CN" altLang="en-US" sz="1600" dirty="0" smtClean="0">
+                <a:latin typeface="+mn-ea"/>
+              </a:rPr>
+              <a:t>类</a:t>
+            </a:r>
+            <a:r>
+              <a:rPr lang="zh-CN" altLang="en-US" sz="1600" dirty="0">
+                <a:latin typeface="+mn-ea"/>
+              </a:rPr>
+              <a:t>库 </a:t>
+            </a:r>
+            <a:r>
+              <a:rPr lang="en-US" altLang="zh-CN" sz="1600" dirty="0">
+                <a:latin typeface="+mn-ea"/>
+              </a:rPr>
+              <a:t>- </a:t>
+            </a:r>
+            <a:r>
+              <a:rPr lang="zh-CN" altLang="en-US" sz="1600" dirty="0">
+                <a:latin typeface="+mn-ea"/>
+              </a:rPr>
+              <a:t>类库是一些函数的集合，它能帮助你写</a:t>
+            </a:r>
+            <a:r>
+              <a:rPr lang="en-US" altLang="zh-CN" sz="1600" dirty="0">
+                <a:latin typeface="+mn-ea"/>
+              </a:rPr>
+              <a:t>WEB</a:t>
+            </a:r>
+            <a:r>
+              <a:rPr lang="zh-CN" altLang="en-US" sz="1600" dirty="0">
+                <a:latin typeface="+mn-ea"/>
+              </a:rPr>
+              <a:t>应用。起主导作用的是你的代码，由你来决定何时使用类库。类库有：</a:t>
+            </a:r>
+            <a:r>
+              <a:rPr lang="en-US" altLang="zh-CN" sz="1600" dirty="0" err="1">
+                <a:latin typeface="+mn-ea"/>
+              </a:rPr>
+              <a:t>jQuery</a:t>
+            </a:r>
+            <a:r>
+              <a:rPr lang="zh-CN" altLang="en-US" sz="1600" dirty="0" smtClean="0">
+                <a:latin typeface="+mn-ea"/>
+              </a:rPr>
+              <a:t>等</a:t>
+            </a:r>
+            <a:endParaRPr lang="en-US" altLang="zh-CN" sz="1600" dirty="0" smtClean="0">
+              <a:latin typeface="+mn-ea"/>
             </a:endParaRPr>
           </a:p>
           <a:p>
+            <a:r>
+              <a:rPr lang="zh-CN" altLang="en-US" sz="1600" dirty="0" smtClean="0">
+                <a:latin typeface="+mn-ea"/>
+              </a:rPr>
+              <a:t>框架 </a:t>
+            </a:r>
+            <a:r>
+              <a:rPr lang="en-US" altLang="zh-CN" sz="1600" dirty="0">
+                <a:latin typeface="+mn-ea"/>
+              </a:rPr>
+              <a:t>- </a:t>
+            </a:r>
+            <a:r>
+              <a:rPr lang="zh-CN" altLang="en-US" sz="1600" dirty="0">
+                <a:latin typeface="+mn-ea"/>
+              </a:rPr>
+              <a:t>框架是一种特殊的、已经实现了的</a:t>
+            </a:r>
+            <a:r>
+              <a:rPr lang="en-US" altLang="zh-CN" sz="1600" dirty="0">
+                <a:latin typeface="+mn-ea"/>
+              </a:rPr>
+              <a:t>WEB</a:t>
+            </a:r>
+            <a:r>
+              <a:rPr lang="zh-CN" altLang="en-US" sz="1600" dirty="0">
+                <a:latin typeface="+mn-ea"/>
+              </a:rPr>
+              <a:t>应用，你只需要对它填充具体的业务逻辑。这里框架是起主导作用的，由它来根据具体的应用逻辑来调用你的代码。框架有</a:t>
+            </a:r>
+            <a:r>
+              <a:rPr lang="zh-CN" altLang="en-US" sz="1600" dirty="0" smtClean="0">
+                <a:latin typeface="+mn-ea"/>
+              </a:rPr>
+              <a:t>：</a:t>
+            </a:r>
+            <a:endParaRPr lang="en-US" altLang="zh-CN" sz="1600" dirty="0" smtClean="0">
+              <a:latin typeface="+mn-ea"/>
+            </a:endParaRPr>
+          </a:p>
+          <a:p>
+            <a:r>
+              <a:rPr lang="en-US" altLang="zh-CN" sz="1600" dirty="0">
+                <a:latin typeface="+mn-ea"/>
+              </a:rPr>
+              <a:t>knockout</a:t>
+            </a:r>
+            <a:r>
+              <a:rPr lang="zh-CN" altLang="en-US" sz="1600" dirty="0">
+                <a:latin typeface="+mn-ea"/>
+              </a:rPr>
+              <a:t>、</a:t>
+            </a:r>
+            <a:r>
+              <a:rPr lang="en-US" altLang="zh-CN" sz="1600" dirty="0" err="1">
+                <a:latin typeface="+mn-ea"/>
+              </a:rPr>
+              <a:t>sproutcore</a:t>
+            </a:r>
+            <a:r>
+              <a:rPr lang="zh-CN" altLang="en-US" sz="1600" dirty="0">
+                <a:latin typeface="+mn-ea"/>
+              </a:rPr>
+              <a:t>等。</a:t>
+            </a:r>
+          </a:p>
+          <a:p>
+            <a:r>
+              <a:rPr lang="en-US" altLang="zh-CN" sz="1600" dirty="0" err="1">
+                <a:latin typeface="+mn-ea"/>
+              </a:rPr>
+              <a:t>AngularJS</a:t>
+            </a:r>
+            <a:r>
+              <a:rPr lang="zh-CN" altLang="en-US" sz="1600" dirty="0">
+                <a:latin typeface="+mn-ea"/>
+              </a:rPr>
+              <a:t>使用了不同的方法，它尝试去补足</a:t>
+            </a:r>
+            <a:r>
+              <a:rPr lang="en-US" altLang="zh-CN" sz="1600" dirty="0">
+                <a:latin typeface="+mn-ea"/>
+              </a:rPr>
+              <a:t>HTML</a:t>
+            </a:r>
+            <a:r>
+              <a:rPr lang="zh-CN" altLang="en-US" sz="1600" dirty="0">
+                <a:latin typeface="+mn-ea"/>
+              </a:rPr>
+              <a:t>本身在构建应用方面的缺陷。</a:t>
+            </a:r>
+            <a:r>
+              <a:rPr lang="en-US" altLang="zh-CN" sz="1600" dirty="0" err="1">
+                <a:latin typeface="+mn-ea"/>
+              </a:rPr>
+              <a:t>AngularJS</a:t>
+            </a:r>
+            <a:r>
+              <a:rPr lang="zh-CN" altLang="en-US" sz="1600" dirty="0">
+                <a:latin typeface="+mn-ea"/>
+              </a:rPr>
+              <a:t>通过使用我们称为标识符</a:t>
+            </a:r>
+            <a:r>
+              <a:rPr lang="en-US" altLang="zh-CN" sz="1600" dirty="0">
+                <a:latin typeface="+mn-ea"/>
+              </a:rPr>
+              <a:t>(directives)</a:t>
+            </a:r>
+            <a:r>
+              <a:rPr lang="zh-CN" altLang="en-US" sz="1600" dirty="0">
+                <a:latin typeface="+mn-ea"/>
+              </a:rPr>
+              <a:t>的结构，让浏览器能够识别新的语法</a:t>
+            </a:r>
+            <a:r>
+              <a:rPr lang="zh-CN" altLang="en-US" sz="1600" dirty="0" smtClean="0">
+                <a:latin typeface="+mn-ea"/>
+              </a:rPr>
+              <a:t>。</a:t>
+            </a:r>
+            <a:endParaRPr lang="en-US" altLang="zh-CN" sz="1600" dirty="0" smtClean="0">
+              <a:latin typeface="+mn-ea"/>
+            </a:endParaRPr>
+          </a:p>
+          <a:p>
             <a:pPr marL="0" indent="0">
               <a:buNone/>
             </a:pPr>
-            <a:endParaRPr lang="en-US" altLang="zh-CN" dirty="0" smtClean="0"/>
-          </a:p>
-          <a:p>
-            <a:r>
-              <a:rPr lang="en-US" altLang="zh-CN" dirty="0" smtClean="0"/>
-              <a:t>Demo</a:t>
-            </a:r>
-            <a:r>
-              <a:rPr lang="zh-CN" altLang="en-US" dirty="0"/>
-              <a:t>展示</a:t>
-            </a:r>
+            <a:r>
+              <a:rPr lang="zh-CN" altLang="en-US" sz="3200" dirty="0">
+                <a:latin typeface="+mn-ea"/>
+                <a:hlinkClick r:id="rId2"/>
+              </a:rPr>
+              <a:t>猛</a:t>
+            </a:r>
+            <a:r>
+              <a:rPr lang="zh-CN" altLang="en-US" sz="3200" dirty="0" smtClean="0">
+                <a:latin typeface="+mn-ea"/>
+                <a:hlinkClick r:id="rId2"/>
+              </a:rPr>
+              <a:t>戳这里：</a:t>
+            </a:r>
+            <a:r>
+              <a:rPr lang="en-US" altLang="zh-CN" sz="3200" dirty="0" smtClean="0">
+                <a:latin typeface="+mn-ea"/>
+                <a:hlinkClick r:id="rId2"/>
+              </a:rPr>
+              <a:t>http</a:t>
+            </a:r>
+            <a:r>
+              <a:rPr lang="en-US" altLang="zh-CN" sz="3200" dirty="0">
+                <a:latin typeface="+mn-ea"/>
+                <a:hlinkClick r:id="rId2"/>
+              </a:rPr>
+              <a:t>://woxx.sinaapp.com/</a:t>
+            </a:r>
+            <a:endParaRPr lang="en-US" altLang="zh-CN" sz="3200" dirty="0">
+              <a:latin typeface="+mn-ea"/>
+            </a:endParaRPr>
+          </a:p>
+          <a:p>
+            <a:endParaRPr lang="en-US" altLang="zh-CN" sz="1600" dirty="0" smtClean="0">
+              <a:latin typeface="+mn-ea"/>
+            </a:endParaRPr>
           </a:p>
         </p:txBody>
       </p:sp>
@@ -5865,7 +5732,7 @@
         <p:spPr>
           <a:xfrm>
             <a:off x="611559" y="1295400"/>
-            <a:ext cx="5728905" cy="1143000"/>
+            <a:ext cx="5904657" cy="1143000"/>
           </a:xfrm>
           <a:prstGeom prst="rect">
             <a:avLst/>
@@ -5897,16 +5764,21 @@
           </a:lstStyle>
           <a:p>
             <a:r>
-              <a:rPr lang="zh-CN" altLang="en-US" dirty="0"/>
-              <a:t>概要</a:t>
-            </a:r>
+              <a:rPr lang="en-US" altLang="zh-CN" dirty="0" err="1" smtClean="0"/>
+              <a:t>AngularJS</a:t>
+            </a:r>
+            <a:r>
+              <a:rPr lang="zh-CN" altLang="en-US" dirty="0" smtClean="0"/>
+              <a:t>简介</a:t>
+            </a:r>
+            <a:endParaRPr lang="zh-CN" altLang="en-US" dirty="0"/>
           </a:p>
         </p:txBody>
       </p:sp>
     </p:spTree>
     <p:extLst>
       <p:ext uri="{BB962C8B-B14F-4D97-AF65-F5344CB8AC3E}">
-        <p14:creationId xmlns:p14="http://schemas.microsoft.com/office/powerpoint/2010/main" val="230833149"/>
+        <p14:creationId xmlns:p14="http://schemas.microsoft.com/office/powerpoint/2010/main" val="2797851401"/>
       </p:ext>
     </p:extLst>
   </p:cSld>
@@ -6000,294 +5872,60 @@
           </a:xfrm>
         </p:spPr>
         <p:txBody>
-          <a:bodyPr>
-            <a:noAutofit/>
-          </a:bodyPr>
-          <a:lstStyle/>
+          <a:bodyPr/>
+          <a:lstStyle/>
+          <a:p>
+            <a:r>
+              <a:rPr lang="zh-CN" altLang="en-US" dirty="0" smtClean="0"/>
+              <a:t>为什么选择</a:t>
+            </a:r>
+            <a:r>
+              <a:rPr lang="en-US" altLang="zh-CN" dirty="0" err="1" smtClean="0"/>
+              <a:t>AngularJS</a:t>
+            </a:r>
+            <a:endParaRPr lang="en-US" altLang="zh-CN" dirty="0" smtClean="0"/>
+          </a:p>
+          <a:p>
+            <a:endParaRPr lang="en-US" altLang="zh-CN" dirty="0" smtClean="0"/>
+          </a:p>
+          <a:p>
+            <a:r>
+              <a:rPr lang="en-US" altLang="zh-CN" dirty="0" err="1" smtClean="0"/>
+              <a:t>AngularJS</a:t>
+            </a:r>
+            <a:r>
+              <a:rPr lang="zh-CN" altLang="en-US" dirty="0" smtClean="0"/>
+              <a:t>简介</a:t>
+            </a:r>
+            <a:endParaRPr lang="en-US" altLang="zh-CN" dirty="0" smtClean="0"/>
+          </a:p>
           <a:p>
             <a:pPr marL="0" indent="0">
               <a:buNone/>
             </a:pPr>
-            <a:r>
-              <a:rPr lang="en-US" altLang="zh-CN" sz="1600" dirty="0" err="1" smtClean="0">
-                <a:latin typeface="+mn-ea"/>
+            <a:endParaRPr lang="en-US" altLang="zh-CN" dirty="0" smtClean="0">
+              <a:solidFill>
+                <a:srgbClr val="FF0000"/>
+              </a:solidFill>
+            </a:endParaRPr>
+          </a:p>
+          <a:p>
+            <a:r>
+              <a:rPr lang="en-US" altLang="zh-CN" dirty="0" smtClean="0">
+                <a:solidFill>
+                  <a:srgbClr val="FF0000"/>
+                </a:solidFill>
               </a:rPr>
-              <a:t>AngularJS</a:t>
-            </a:r>
-            <a:r>
-              <a:rPr lang="zh-CN" altLang="en-US" sz="1600" dirty="0" smtClean="0">
-                <a:latin typeface="+mn-ea"/>
+              <a:t>Demo</a:t>
+            </a:r>
+            <a:r>
+              <a:rPr lang="zh-CN" altLang="en-US" dirty="0">
+                <a:solidFill>
+                  <a:srgbClr val="FF0000"/>
+                </a:solidFill>
               </a:rPr>
-              <a:t>是为克服</a:t>
-            </a:r>
-            <a:r>
-              <a:rPr lang="en-US" altLang="zh-CN" sz="1600" dirty="0" smtClean="0">
-                <a:latin typeface="+mn-ea"/>
-              </a:rPr>
-              <a:t>HTML</a:t>
-            </a:r>
-            <a:r>
-              <a:rPr lang="zh-CN" altLang="en-US" sz="1600" dirty="0" smtClean="0">
-                <a:latin typeface="+mn-ea"/>
-              </a:rPr>
-              <a:t>在构建应用上的不足而设计的。</a:t>
-            </a:r>
-            <a:r>
-              <a:rPr lang="en-US" altLang="zh-CN" sz="1600" dirty="0">
-                <a:latin typeface="+mn-ea"/>
-              </a:rPr>
-              <a:t>HTML</a:t>
-            </a:r>
-            <a:r>
-              <a:rPr lang="zh-CN" altLang="en-US" sz="1600" dirty="0">
-                <a:latin typeface="+mn-ea"/>
-              </a:rPr>
-              <a:t>是一门很好的为静态文本展示设计的声明式语言，但要构建</a:t>
-            </a:r>
-            <a:r>
-              <a:rPr lang="en-US" altLang="zh-CN" sz="1600" dirty="0">
-                <a:latin typeface="+mn-ea"/>
-              </a:rPr>
-              <a:t>WEB</a:t>
-            </a:r>
-            <a:r>
-              <a:rPr lang="zh-CN" altLang="en-US" sz="1600" dirty="0">
-                <a:latin typeface="+mn-ea"/>
-              </a:rPr>
-              <a:t>应用的话它就显得乏力了。所以我做了一些工作（你也可以觉得是小花招）来让浏览器做我想要的事</a:t>
-            </a:r>
-            <a:r>
-              <a:rPr lang="zh-CN" altLang="en-US" sz="1600" dirty="0" smtClean="0">
-                <a:latin typeface="+mn-ea"/>
-              </a:rPr>
-              <a:t>。通常</a:t>
-            </a:r>
-            <a:r>
-              <a:rPr lang="zh-CN" altLang="en-US" sz="1600" dirty="0">
-                <a:latin typeface="+mn-ea"/>
-              </a:rPr>
-              <a:t>，我们是通过以下技术来解决静态网页技术在构建动态应用上的不足：</a:t>
-            </a:r>
-          </a:p>
-          <a:p>
-            <a:r>
-              <a:rPr lang="zh-CN" altLang="en-US" sz="1600" dirty="0" smtClean="0">
-                <a:latin typeface="+mn-ea"/>
-              </a:rPr>
-              <a:t>类</a:t>
-            </a:r>
-            <a:r>
-              <a:rPr lang="zh-CN" altLang="en-US" sz="1600" dirty="0">
-                <a:latin typeface="+mn-ea"/>
-              </a:rPr>
-              <a:t>库 </a:t>
-            </a:r>
-            <a:r>
-              <a:rPr lang="en-US" altLang="zh-CN" sz="1600" dirty="0">
-                <a:latin typeface="+mn-ea"/>
-              </a:rPr>
-              <a:t>- </a:t>
-            </a:r>
-            <a:r>
-              <a:rPr lang="zh-CN" altLang="en-US" sz="1600" dirty="0">
-                <a:latin typeface="+mn-ea"/>
-              </a:rPr>
-              <a:t>类库是一些函数的集合，它能帮助你写</a:t>
-            </a:r>
-            <a:r>
-              <a:rPr lang="en-US" altLang="zh-CN" sz="1600" dirty="0">
-                <a:latin typeface="+mn-ea"/>
-              </a:rPr>
-              <a:t>WEB</a:t>
-            </a:r>
-            <a:r>
-              <a:rPr lang="zh-CN" altLang="en-US" sz="1600" dirty="0">
-                <a:latin typeface="+mn-ea"/>
-              </a:rPr>
-              <a:t>应用。起主导作用的是你的代码，由你来决定何时使用类库。类库有：</a:t>
-            </a:r>
-            <a:r>
-              <a:rPr lang="en-US" altLang="zh-CN" sz="1600" dirty="0" err="1">
-                <a:latin typeface="+mn-ea"/>
-              </a:rPr>
-              <a:t>jQuery</a:t>
-            </a:r>
-            <a:r>
-              <a:rPr lang="zh-CN" altLang="en-US" sz="1600" dirty="0" smtClean="0">
-                <a:latin typeface="+mn-ea"/>
-              </a:rPr>
-              <a:t>等</a:t>
-            </a:r>
-            <a:endParaRPr lang="en-US" altLang="zh-CN" sz="1600" dirty="0" smtClean="0">
-              <a:latin typeface="+mn-ea"/>
-            </a:endParaRPr>
-          </a:p>
-          <a:p>
-            <a:r>
-              <a:rPr lang="zh-CN" altLang="en-US" sz="1600" dirty="0" smtClean="0">
-                <a:latin typeface="+mn-ea"/>
-              </a:rPr>
-              <a:t>框架 </a:t>
-            </a:r>
-            <a:r>
-              <a:rPr lang="en-US" altLang="zh-CN" sz="1600" dirty="0">
-                <a:latin typeface="+mn-ea"/>
-              </a:rPr>
-              <a:t>- </a:t>
-            </a:r>
-            <a:r>
-              <a:rPr lang="zh-CN" altLang="en-US" sz="1600" dirty="0">
-                <a:latin typeface="+mn-ea"/>
-              </a:rPr>
-              <a:t>框架是一种特殊的、已经实现了的</a:t>
-            </a:r>
-            <a:r>
-              <a:rPr lang="en-US" altLang="zh-CN" sz="1600" dirty="0">
-                <a:latin typeface="+mn-ea"/>
-              </a:rPr>
-              <a:t>WEB</a:t>
-            </a:r>
-            <a:r>
-              <a:rPr lang="zh-CN" altLang="en-US" sz="1600" dirty="0">
-                <a:latin typeface="+mn-ea"/>
-              </a:rPr>
-              <a:t>应用，你只需要对它填充具体的业务逻辑。这里框架是起主导作用的，由它来根据具体的应用逻辑来调用你的代码。框架有</a:t>
-            </a:r>
-            <a:r>
-              <a:rPr lang="zh-CN" altLang="en-US" sz="1600" dirty="0" smtClean="0">
-                <a:latin typeface="+mn-ea"/>
-              </a:rPr>
-              <a:t>：</a:t>
-            </a:r>
-            <a:endParaRPr lang="en-US" altLang="zh-CN" sz="1600" dirty="0" smtClean="0">
-              <a:latin typeface="+mn-ea"/>
-            </a:endParaRPr>
-          </a:p>
-          <a:p>
-            <a:r>
-              <a:rPr lang="en-US" altLang="zh-CN" sz="1600" dirty="0">
-                <a:latin typeface="+mn-ea"/>
-              </a:rPr>
-              <a:t>knockout</a:t>
-            </a:r>
-            <a:r>
-              <a:rPr lang="zh-CN" altLang="en-US" sz="1600" dirty="0">
-                <a:latin typeface="+mn-ea"/>
-              </a:rPr>
-              <a:t>、</a:t>
-            </a:r>
-            <a:r>
-              <a:rPr lang="en-US" altLang="zh-CN" sz="1600" dirty="0" err="1">
-                <a:latin typeface="+mn-ea"/>
-              </a:rPr>
-              <a:t>sproutcore</a:t>
-            </a:r>
-            <a:r>
-              <a:rPr lang="zh-CN" altLang="en-US" sz="1600" dirty="0">
-                <a:latin typeface="+mn-ea"/>
-              </a:rPr>
-              <a:t>等。</a:t>
-            </a:r>
-          </a:p>
-          <a:p>
-            <a:r>
-              <a:rPr lang="en-US" altLang="zh-CN" sz="1600" dirty="0" err="1">
-                <a:latin typeface="+mn-ea"/>
-              </a:rPr>
-              <a:t>AngularJS</a:t>
-            </a:r>
-            <a:r>
-              <a:rPr lang="zh-CN" altLang="en-US" sz="1600" dirty="0">
-                <a:latin typeface="+mn-ea"/>
-              </a:rPr>
-              <a:t>使用了不同的方法，它尝试去补足</a:t>
-            </a:r>
-            <a:r>
-              <a:rPr lang="en-US" altLang="zh-CN" sz="1600" dirty="0">
-                <a:latin typeface="+mn-ea"/>
-              </a:rPr>
-              <a:t>HTML</a:t>
-            </a:r>
-            <a:r>
-              <a:rPr lang="zh-CN" altLang="en-US" sz="1600" dirty="0">
-                <a:latin typeface="+mn-ea"/>
-              </a:rPr>
-              <a:t>本身在构建应用方面的缺陷。</a:t>
-            </a:r>
-            <a:r>
-              <a:rPr lang="en-US" altLang="zh-CN" sz="1600" dirty="0" err="1">
-                <a:latin typeface="+mn-ea"/>
-              </a:rPr>
-              <a:t>AngularJS</a:t>
-            </a:r>
-            <a:r>
-              <a:rPr lang="zh-CN" altLang="en-US" sz="1600" dirty="0">
-                <a:latin typeface="+mn-ea"/>
-              </a:rPr>
-              <a:t>通过使用我们称为标识符</a:t>
-            </a:r>
-            <a:r>
-              <a:rPr lang="en-US" altLang="zh-CN" sz="1600" dirty="0">
-                <a:latin typeface="+mn-ea"/>
-              </a:rPr>
-              <a:t>(directives)</a:t>
-            </a:r>
-            <a:r>
-              <a:rPr lang="zh-CN" altLang="en-US" sz="1600" dirty="0">
-                <a:latin typeface="+mn-ea"/>
-              </a:rPr>
-              <a:t>的结构，让浏览器能够识别新的语法</a:t>
-            </a:r>
-            <a:r>
-              <a:rPr lang="zh-CN" altLang="en-US" sz="1600" dirty="0" smtClean="0">
-                <a:latin typeface="+mn-ea"/>
-              </a:rPr>
-              <a:t>。</a:t>
-            </a:r>
-            <a:endParaRPr lang="en-US" altLang="zh-CN" sz="1600" dirty="0" smtClean="0">
-              <a:latin typeface="+mn-ea"/>
-            </a:endParaRPr>
-          </a:p>
-          <a:p>
-            <a:pPr marL="0" indent="0">
-              <a:buNone/>
-            </a:pPr>
-            <a:r>
-              <a:rPr lang="zh-CN" altLang="en-US" sz="3200" dirty="0">
-                <a:latin typeface="+mn-ea"/>
-                <a:hlinkClick r:id="rId2"/>
-              </a:rPr>
-              <a:t>猛</a:t>
-            </a:r>
-            <a:r>
-              <a:rPr lang="zh-CN" altLang="en-US" sz="3200" dirty="0" smtClean="0">
-                <a:latin typeface="+mn-ea"/>
-                <a:hlinkClick r:id="rId2"/>
-              </a:rPr>
-              <a:t>戳这里：</a:t>
-            </a:r>
-            <a:r>
-              <a:rPr lang="en-US" altLang="zh-CN" sz="3200" dirty="0" smtClean="0">
-                <a:latin typeface="+mn-ea"/>
-                <a:hlinkClick r:id="rId2"/>
-              </a:rPr>
-              <a:t>http</a:t>
-            </a:r>
-            <a:r>
-              <a:rPr lang="en-US" altLang="zh-CN" sz="3200" dirty="0">
-                <a:latin typeface="+mn-ea"/>
-                <a:hlinkClick r:id="rId2"/>
-              </a:rPr>
-              <a:t>://woxx.sinaapp.com/</a:t>
-            </a:r>
-            <a:endParaRPr lang="en-US" altLang="zh-CN" sz="3200" dirty="0">
-              <a:latin typeface="+mn-ea"/>
-            </a:endParaRPr>
-          </a:p>
-          <a:p>
-            <a:endParaRPr lang="en-US" altLang="zh-CN" sz="1600" dirty="0" smtClean="0">
-              <a:latin typeface="+mn-ea"/>
-            </a:endParaRPr>
+              <a:t>展示</a:t>
+            </a:r>
           </a:p>
         </p:txBody>
       </p:sp>
@@ -6345,7 +5983,7 @@
         <p:spPr>
           <a:xfrm>
             <a:off x="611559" y="1295400"/>
-            <a:ext cx="5904657" cy="1143000"/>
+            <a:ext cx="5728905" cy="1143000"/>
           </a:xfrm>
           <a:prstGeom prst="rect">
             <a:avLst/>
@@ -6377,21 +6015,16 @@
           </a:lstStyle>
           <a:p>
             <a:r>
-              <a:rPr lang="en-US" altLang="zh-CN" dirty="0" err="1" smtClean="0"/>
-              <a:t>AngularJS</a:t>
-            </a:r>
-            <a:r>
-              <a:rPr lang="zh-CN" altLang="en-US" dirty="0" smtClean="0"/>
-              <a:t>简介</a:t>
-            </a:r>
-            <a:endParaRPr lang="zh-CN" altLang="en-US" dirty="0"/>
+              <a:rPr lang="zh-CN" altLang="en-US" dirty="0"/>
+              <a:t>概要</a:t>
+            </a:r>
           </a:p>
         </p:txBody>
       </p:sp>
     </p:spTree>
     <p:extLst>
       <p:ext uri="{BB962C8B-B14F-4D97-AF65-F5344CB8AC3E}">
-        <p14:creationId xmlns:p14="http://schemas.microsoft.com/office/powerpoint/2010/main" val="2797851401"/>
+        <p14:creationId xmlns:p14="http://schemas.microsoft.com/office/powerpoint/2010/main" val="3322580379"/>
       </p:ext>
     </p:extLst>
   </p:cSld>
@@ -6488,57 +6121,34 @@
           <a:bodyPr/>
           <a:lstStyle/>
           <a:p>
-            <a:r>
-              <a:rPr lang="zh-CN" altLang="en-US" dirty="0" smtClean="0"/>
-              <a:t>为什么选择</a:t>
-            </a:r>
-            <a:r>
-              <a:rPr lang="en-US" altLang="zh-CN" dirty="0" err="1" smtClean="0"/>
-              <a:t>AngularJS</a:t>
+            <a:pPr marL="0" indent="0">
+              <a:buNone/>
+            </a:pPr>
+            <a:r>
+              <a:rPr lang="zh-CN" altLang="en-US" dirty="0" smtClean="0">
+                <a:hlinkClick r:id="rId2" action="ppaction://hlinkfile"/>
+              </a:rPr>
+              <a:t>点击这里进入</a:t>
+            </a:r>
+            <a:r>
+              <a:rPr lang="en-US" altLang="zh-CN" dirty="0" smtClean="0">
+                <a:hlinkClick r:id="rId2" action="ppaction://hlinkfile"/>
+              </a:rPr>
+              <a:t>demo</a:t>
+            </a:r>
+            <a:r>
+              <a:rPr lang="zh-CN" altLang="en-US" dirty="0" smtClean="0">
+                <a:hlinkClick r:id="rId2" action="ppaction://hlinkfile"/>
+              </a:rPr>
+              <a:t>文件夹</a:t>
             </a:r>
             <a:endParaRPr lang="en-US" altLang="zh-CN" dirty="0" smtClean="0"/>
           </a:p>
           <a:p>
+            <a:pPr marL="0" indent="0">
+              <a:buNone/>
+            </a:pPr>
             <a:endParaRPr lang="en-US" altLang="zh-CN" dirty="0" smtClean="0"/>
-          </a:p>
-          <a:p>
-            <a:r>
-              <a:rPr lang="en-US" altLang="zh-CN" dirty="0" err="1" smtClean="0"/>
-              <a:t>AngularJS</a:t>
-            </a:r>
-            <a:r>
-              <a:rPr lang="zh-CN" altLang="en-US" dirty="0" smtClean="0"/>
-              <a:t>简介</a:t>
-            </a:r>
-            <a:endParaRPr lang="en-US" altLang="zh-CN" dirty="0" smtClean="0"/>
-          </a:p>
-          <a:p>
-            <a:pPr marL="0" indent="0">
-              <a:buNone/>
-            </a:pPr>
-            <a:endParaRPr lang="en-US" altLang="zh-CN" dirty="0" smtClean="0">
-              <a:solidFill>
-                <a:srgbClr val="FF0000"/>
-              </a:solidFill>
-            </a:endParaRPr>
-          </a:p>
-          <a:p>
-            <a:r>
-              <a:rPr lang="en-US" altLang="zh-CN" dirty="0" smtClean="0">
-                <a:solidFill>
-                  <a:srgbClr val="FF0000"/>
-                </a:solidFill>
-              </a:rPr>
-              <a:t>Demo</a:t>
-            </a:r>
-            <a:r>
-              <a:rPr lang="zh-CN" altLang="en-US" dirty="0">
-                <a:solidFill>
-                  <a:srgbClr val="FF0000"/>
-                </a:solidFill>
-              </a:rPr>
-              <a:t>展示</a:t>
-            </a:r>
           </a:p>
         </p:txBody>
       </p:sp>
@@ -6628,16 +6238,21 @@
           </a:lstStyle>
           <a:p>
             <a:r>
-              <a:rPr lang="zh-CN" altLang="en-US" dirty="0"/>
-              <a:t>概要</a:t>
-            </a:r>
+              <a:rPr lang="en-US" altLang="zh-CN" dirty="0" smtClean="0"/>
+              <a:t>Demo</a:t>
+            </a:r>
+            <a:r>
+              <a:rPr lang="zh-CN" altLang="en-US" dirty="0" smtClean="0"/>
+              <a:t>展示</a:t>
+            </a:r>
+            <a:endParaRPr lang="zh-CN" altLang="en-US" dirty="0"/>
           </a:p>
         </p:txBody>
       </p:sp>
     </p:spTree>
     <p:extLst>
       <p:ext uri="{BB962C8B-B14F-4D97-AF65-F5344CB8AC3E}">
-        <p14:creationId xmlns:p14="http://schemas.microsoft.com/office/powerpoint/2010/main" val="3322580379"/>
+        <p14:creationId xmlns:p14="http://schemas.microsoft.com/office/powerpoint/2010/main" val="1785726064"/>
       </p:ext>
     </p:extLst>
   </p:cSld>
@@ -6738,24 +6353,43 @@
               <a:buNone/>
             </a:pPr>
             <a:r>
-              <a:rPr lang="zh-CN" altLang="en-US" dirty="0" smtClean="0">
-                <a:hlinkClick r:id="rId2" action="ppaction://hlinkfile"/>
-              </a:rPr>
-              <a:t>点击这里进入</a:t>
-            </a:r>
-            <a:r>
-              <a:rPr lang="en-US" altLang="zh-CN" dirty="0" smtClean="0">
-                <a:hlinkClick r:id="rId2" action="ppaction://hlinkfile"/>
-              </a:rPr>
-              <a:t>demo</a:t>
-            </a:r>
-            <a:r>
-              <a:rPr lang="zh-CN" altLang="en-US" dirty="0" smtClean="0">
-                <a:hlinkClick r:id="rId2" action="ppaction://hlinkfile"/>
-              </a:rPr>
-              <a:t>文件夹</a:t>
-            </a:r>
-            <a:endParaRPr lang="en-US" altLang="zh-CN" dirty="0" smtClean="0"/>
+              <a:rPr lang="en-US" altLang="zh-CN" dirty="0" smtClean="0"/>
+              <a:t>		</a:t>
+            </a:r>
+          </a:p>
+          <a:p>
+            <a:pPr marL="0" indent="0">
+              <a:buNone/>
+            </a:pPr>
+            <a:r>
+              <a:rPr lang="en-US" altLang="zh-CN" dirty="0"/>
+              <a:t>	</a:t>
+            </a:r>
+            <a:r>
+              <a:rPr lang="en-US" altLang="zh-CN" dirty="0" smtClean="0"/>
+              <a:t>	</a:t>
+            </a:r>
+          </a:p>
+          <a:p>
+            <a:pPr marL="0" indent="0">
+              <a:buNone/>
+            </a:pPr>
+            <a:r>
+              <a:rPr lang="en-US" altLang="zh-CN" dirty="0"/>
+              <a:t>	</a:t>
+            </a:r>
+            <a:r>
+              <a:rPr lang="en-US" altLang="zh-CN" dirty="0" smtClean="0"/>
+              <a:t>	Thank you </a:t>
+            </a:r>
+            <a:r>
+              <a:rPr lang="zh-CN" altLang="en-US" dirty="0" smtClean="0"/>
+              <a:t>！</a:t>
+            </a:r>
+            <a:r>
+              <a:rPr lang="en-US" altLang="zh-CN" dirty="0" smtClean="0"/>
+              <a:t>^_^</a:t>
+            </a:r>
           </a:p>
           <a:p>
             <a:pPr marL="0" indent="0">
@@ -6852,11 +6486,7 @@
           <a:p>
             <a:r>
               <a:rPr lang="en-US" altLang="zh-CN" dirty="0" smtClean="0"/>
-              <a:t>Demo</a:t>
-            </a:r>
-            <a:r>
-              <a:rPr lang="zh-CN" altLang="en-US" dirty="0" smtClean="0"/>
-              <a:t>展示</a:t>
+              <a:t>The End</a:t>
             </a:r>
             <a:endParaRPr lang="zh-CN" altLang="en-US" dirty="0"/>
           </a:p>
@@ -6865,7 +6495,7 @@
     </p:spTree>
     <p:extLst>
       <p:ext uri="{BB962C8B-B14F-4D97-AF65-F5344CB8AC3E}">
-        <p14:creationId xmlns:p14="http://schemas.microsoft.com/office/powerpoint/2010/main" val="1785726064"/>
+        <p14:creationId xmlns:p14="http://schemas.microsoft.com/office/powerpoint/2010/main" val="3904917234"/>
       </p:ext>
     </p:extLst>
   </p:cSld>
